--- a/Docs/EECS_4422.pptx
+++ b/Docs/EECS_4422.pptx
@@ -6,8 +6,20 @@
   </p:sldMasterIdLst>
   <p:sldIdLst>
     <p:sldId id="256" r:id="rId2"/>
-    <p:sldId id="257" r:id="rId3"/>
-    <p:sldId id="259" r:id="rId4"/>
+    <p:sldId id="260" r:id="rId3"/>
+    <p:sldId id="264" r:id="rId4"/>
+    <p:sldId id="262" r:id="rId5"/>
+    <p:sldId id="263" r:id="rId6"/>
+    <p:sldId id="265" r:id="rId7"/>
+    <p:sldId id="266" r:id="rId8"/>
+    <p:sldId id="267" r:id="rId9"/>
+    <p:sldId id="268" r:id="rId10"/>
+    <p:sldId id="259" r:id="rId11"/>
+    <p:sldId id="269" r:id="rId12"/>
+    <p:sldId id="270" r:id="rId13"/>
+    <p:sldId id="271" r:id="rId14"/>
+    <p:sldId id="272" r:id="rId15"/>
+    <p:sldId id="261" r:id="rId16"/>
   </p:sldIdLst>
   <p:sldSz cx="12192000" cy="6858000"/>
   <p:notesSz cx="6858000" cy="9144000"/>
@@ -3850,35 +3862,49 @@
         </p:nvSpPr>
         <p:spPr/>
         <p:txBody>
+          <a:bodyPr>
+            <a:noAutofit/>
+          </a:bodyPr>
+          <a:lstStyle/>
+          <a:p>
+            <a:r>
+              <a:rPr lang="en-CA" sz="6000" dirty="0"/>
+              <a:t>Relative Performance Differentials of Saliency Models with Co-Registered IR-VIS Images</a:t>
+            </a:r>
+          </a:p>
+        </p:txBody>
+      </p:sp>
+      <p:sp>
+        <p:nvSpPr>
+          <p:cNvPr id="3" name="Subtitle 2">
+            <a:extLst>
+              <a:ext uri="{FF2B5EF4-FFF2-40B4-BE49-F238E27FC236}">
+                <a16:creationId xmlns:a16="http://schemas.microsoft.com/office/drawing/2014/main" id="{6BFD1235-A7C0-4AD1-8098-3519CDD8A985}"/>
+              </a:ext>
+            </a:extLst>
+          </p:cNvPr>
+          <p:cNvSpPr>
+            <a:spLocks noGrp="1"/>
+          </p:cNvSpPr>
+          <p:nvPr>
+            <p:ph type="subTitle" idx="1"/>
+          </p:nvPr>
+        </p:nvSpPr>
+        <p:spPr/>
+        <p:txBody>
           <a:bodyPr/>
           <a:lstStyle/>
           <a:p>
-            <a:endParaRPr lang="en-CA"/>
-          </a:p>
-        </p:txBody>
-      </p:sp>
-      <p:sp>
-        <p:nvSpPr>
-          <p:cNvPr id="3" name="Subtitle 2">
-            <a:extLst>
-              <a:ext uri="{FF2B5EF4-FFF2-40B4-BE49-F238E27FC236}">
-                <a16:creationId xmlns:a16="http://schemas.microsoft.com/office/drawing/2014/main" id="{6BFD1235-A7C0-4AD1-8098-3519CDD8A985}"/>
-              </a:ext>
-            </a:extLst>
-          </p:cNvPr>
-          <p:cNvSpPr>
-            <a:spLocks noGrp="1"/>
-          </p:cNvSpPr>
-          <p:nvPr>
-            <p:ph type="subTitle" idx="1"/>
-          </p:nvPr>
-        </p:nvSpPr>
-        <p:spPr/>
-        <p:txBody>
-          <a:bodyPr/>
-          <a:lstStyle/>
-          <a:p>
-            <a:endParaRPr lang="en-CA"/>
+            <a:r>
+              <a:rPr lang="en-CA" dirty="0"/>
+              <a:t>Peter Caruana</a:t>
+            </a:r>
+          </a:p>
+          <a:p>
+            <a:r>
+              <a:rPr lang="en-CA" dirty="0"/>
+              <a:t>EECS 4422, Fall 2019</a:t>
+            </a:r>
           </a:p>
         </p:txBody>
       </p:sp>
@@ -3895,7 +3921,7 @@
 </p:sld>
 </file>
 
-<file path=ppt/slides/slide2.xml><?xml version="1.0" encoding="utf-8"?>
+<file path=ppt/slides/slide10.xml><?xml version="1.0" encoding="utf-8"?>
 <p:sld xmlns:a="http://schemas.openxmlformats.org/drawingml/2006/main" xmlns:r="http://schemas.openxmlformats.org/officeDocument/2006/relationships" xmlns:p="http://schemas.openxmlformats.org/presentationml/2006/main">
   <p:cSld>
     <p:spTree>
@@ -3912,35 +3938,2434 @@
           <a:chExt cx="0" cy="0"/>
         </a:xfrm>
       </p:grpSpPr>
-      <p:sp>
-        <p:nvSpPr>
-          <p:cNvPr id="18" name="Content Placeholder 17">
-            <a:extLst>
-              <a:ext uri="{FF2B5EF4-FFF2-40B4-BE49-F238E27FC236}">
-                <a16:creationId xmlns:a16="http://schemas.microsoft.com/office/drawing/2014/main" id="{FCCAB6E2-8A13-436F-A3FD-227C01101905}"/>
-              </a:ext>
-            </a:extLst>
-          </p:cNvPr>
-          <p:cNvSpPr>
-            <a:spLocks noGrp="1"/>
-          </p:cNvSpPr>
-          <p:nvPr>
-            <p:ph idx="1"/>
-          </p:nvPr>
-        </p:nvSpPr>
-        <p:spPr/>
-        <p:txBody>
-          <a:bodyPr/>
-          <a:lstStyle/>
-          <a:p>
-            <a:endParaRPr lang="en-CA"/>
-          </a:p>
-        </p:txBody>
-      </p:sp>
+      <p:pic>
+        <p:nvPicPr>
+          <p:cNvPr id="2" name="Content Placeholder 4" descr="A picture containing sitting, monitor, blue, dark&#10;&#10;Description automatically generated">
+            <a:extLst>
+              <a:ext uri="{FF2B5EF4-FFF2-40B4-BE49-F238E27FC236}">
+                <a16:creationId xmlns:a16="http://schemas.microsoft.com/office/drawing/2014/main" id="{5272D7CC-A2D9-4AC4-A1F1-DB6DB879718E}"/>
+              </a:ext>
+            </a:extLst>
+          </p:cNvPr>
+          <p:cNvPicPr>
+            <a:picLocks noChangeAspect="1"/>
+          </p:cNvPicPr>
+          <p:nvPr/>
+        </p:nvPicPr>
+        <p:blipFill>
+          <a:blip r:embed="rId2">
+            <a:extLst>
+              <a:ext uri="{28A0092B-C50C-407E-A947-70E740481C1C}">
+                <a14:useLocalDpi xmlns:a14="http://schemas.microsoft.com/office/drawing/2010/main" val="0"/>
+              </a:ext>
+            </a:extLst>
+          </a:blip>
+          <a:stretch>
+            <a:fillRect/>
+          </a:stretch>
+        </p:blipFill>
+        <p:spPr>
+          <a:xfrm>
+            <a:off x="1773928" y="4902779"/>
+            <a:ext cx="1865031" cy="1243355"/>
+          </a:xfrm>
+          <a:prstGeom prst="rect">
+            <a:avLst/>
+          </a:prstGeom>
+        </p:spPr>
+      </p:pic>
+      <p:pic>
+        <p:nvPicPr>
+          <p:cNvPr id="3" name="Picture 2" descr="A picture containing clock&#10;&#10;Description automatically generated">
+            <a:extLst>
+              <a:ext uri="{FF2B5EF4-FFF2-40B4-BE49-F238E27FC236}">
+                <a16:creationId xmlns:a16="http://schemas.microsoft.com/office/drawing/2014/main" id="{96F2F4B5-A53B-457B-9CCD-8245E90B154D}"/>
+              </a:ext>
+            </a:extLst>
+          </p:cNvPr>
+          <p:cNvPicPr>
+            <a:picLocks noChangeAspect="1"/>
+          </p:cNvPicPr>
+          <p:nvPr/>
+        </p:nvPicPr>
+        <p:blipFill>
+          <a:blip r:embed="rId3">
+            <a:extLst>
+              <a:ext uri="{28A0092B-C50C-407E-A947-70E740481C1C}">
+                <a14:useLocalDpi xmlns:a14="http://schemas.microsoft.com/office/drawing/2010/main" val="0"/>
+              </a:ext>
+            </a:extLst>
+          </a:blip>
+          <a:stretch>
+            <a:fillRect/>
+          </a:stretch>
+        </p:blipFill>
+        <p:spPr>
+          <a:xfrm>
+            <a:off x="3746886" y="4902780"/>
+            <a:ext cx="1865031" cy="1243355"/>
+          </a:xfrm>
+          <a:prstGeom prst="rect">
+            <a:avLst/>
+          </a:prstGeom>
+        </p:spPr>
+      </p:pic>
+      <p:pic>
+        <p:nvPicPr>
+          <p:cNvPr id="4" name="Picture 3" descr="A picture containing indoor, object, sitting, monitor&#10;&#10;Description automatically generated">
+            <a:extLst>
+              <a:ext uri="{FF2B5EF4-FFF2-40B4-BE49-F238E27FC236}">
+                <a16:creationId xmlns:a16="http://schemas.microsoft.com/office/drawing/2014/main" id="{7D1E123C-353C-481B-87FB-644245BBB9F2}"/>
+              </a:ext>
+            </a:extLst>
+          </p:cNvPr>
+          <p:cNvPicPr>
+            <a:picLocks noChangeAspect="1"/>
+          </p:cNvPicPr>
+          <p:nvPr/>
+        </p:nvPicPr>
+        <p:blipFill>
+          <a:blip r:embed="rId4">
+            <a:extLst>
+              <a:ext uri="{28A0092B-C50C-407E-A947-70E740481C1C}">
+                <a14:useLocalDpi xmlns:a14="http://schemas.microsoft.com/office/drawing/2010/main" val="0"/>
+              </a:ext>
+            </a:extLst>
+          </a:blip>
+          <a:stretch>
+            <a:fillRect/>
+          </a:stretch>
+        </p:blipFill>
+        <p:spPr>
+          <a:xfrm>
+            <a:off x="5728717" y="4902784"/>
+            <a:ext cx="1865033" cy="1243355"/>
+          </a:xfrm>
+          <a:prstGeom prst="rect">
+            <a:avLst/>
+          </a:prstGeom>
+        </p:spPr>
+      </p:pic>
+      <p:pic>
+        <p:nvPicPr>
+          <p:cNvPr id="5" name="Picture 4" descr="A picture containing sitting, clock&#10;&#10;Description automatically generated">
+            <a:extLst>
+              <a:ext uri="{FF2B5EF4-FFF2-40B4-BE49-F238E27FC236}">
+                <a16:creationId xmlns:a16="http://schemas.microsoft.com/office/drawing/2014/main" id="{8B78A28C-5465-4C61-ABCB-144991C11CE3}"/>
+              </a:ext>
+            </a:extLst>
+          </p:cNvPr>
+          <p:cNvPicPr>
+            <a:picLocks noChangeAspect="1"/>
+          </p:cNvPicPr>
+          <p:nvPr/>
+        </p:nvPicPr>
+        <p:blipFill>
+          <a:blip r:embed="rId5">
+            <a:extLst>
+              <a:ext uri="{28A0092B-C50C-407E-A947-70E740481C1C}">
+                <a14:useLocalDpi xmlns:a14="http://schemas.microsoft.com/office/drawing/2010/main" val="0"/>
+              </a:ext>
+            </a:extLst>
+          </a:blip>
+          <a:stretch>
+            <a:fillRect/>
+          </a:stretch>
+        </p:blipFill>
+        <p:spPr>
+          <a:xfrm>
+            <a:off x="7726935" y="4902784"/>
+            <a:ext cx="1865033" cy="1243355"/>
+          </a:xfrm>
+          <a:prstGeom prst="rect">
+            <a:avLst/>
+          </a:prstGeom>
+        </p:spPr>
+      </p:pic>
+      <p:pic>
+        <p:nvPicPr>
+          <p:cNvPr id="6" name="Picture 5" descr="A picture containing animal, star&#10;&#10;Description automatically generated">
+            <a:extLst>
+              <a:ext uri="{FF2B5EF4-FFF2-40B4-BE49-F238E27FC236}">
+                <a16:creationId xmlns:a16="http://schemas.microsoft.com/office/drawing/2014/main" id="{CB271734-9194-43AF-BDAE-9DCEDC150921}"/>
+              </a:ext>
+            </a:extLst>
+          </p:cNvPr>
+          <p:cNvPicPr>
+            <a:picLocks noChangeAspect="1"/>
+          </p:cNvPicPr>
+          <p:nvPr/>
+        </p:nvPicPr>
+        <p:blipFill>
+          <a:blip r:embed="rId6">
+            <a:extLst>
+              <a:ext uri="{28A0092B-C50C-407E-A947-70E740481C1C}">
+                <a14:useLocalDpi xmlns:a14="http://schemas.microsoft.com/office/drawing/2010/main" val="0"/>
+              </a:ext>
+            </a:extLst>
+          </a:blip>
+          <a:stretch>
+            <a:fillRect/>
+          </a:stretch>
+        </p:blipFill>
+        <p:spPr>
+          <a:xfrm>
+            <a:off x="9725593" y="4902784"/>
+            <a:ext cx="1865035" cy="1243356"/>
+          </a:xfrm>
+          <a:prstGeom prst="rect">
+            <a:avLst/>
+          </a:prstGeom>
+        </p:spPr>
+      </p:pic>
+      <p:pic>
+        <p:nvPicPr>
+          <p:cNvPr id="7" name="Picture 6" descr="A picture containing photo, water, white, black&#10;&#10;Description automatically generated">
+            <a:extLst>
+              <a:ext uri="{FF2B5EF4-FFF2-40B4-BE49-F238E27FC236}">
+                <a16:creationId xmlns:a16="http://schemas.microsoft.com/office/drawing/2014/main" id="{6C9CC7CB-CE48-454A-8E61-33B98C59F750}"/>
+              </a:ext>
+            </a:extLst>
+          </p:cNvPr>
+          <p:cNvPicPr>
+            <a:picLocks noChangeAspect="1"/>
+          </p:cNvPicPr>
+          <p:nvPr/>
+        </p:nvPicPr>
+        <p:blipFill>
+          <a:blip r:embed="rId7">
+            <a:extLst>
+              <a:ext uri="{28A0092B-C50C-407E-A947-70E740481C1C}">
+                <a14:useLocalDpi xmlns:a14="http://schemas.microsoft.com/office/drawing/2010/main" val="0"/>
+              </a:ext>
+            </a:extLst>
+          </a:blip>
+          <a:stretch>
+            <a:fillRect/>
+          </a:stretch>
+        </p:blipFill>
+        <p:spPr>
+          <a:xfrm>
+            <a:off x="4278023" y="124083"/>
+            <a:ext cx="1763322" cy="1175548"/>
+          </a:xfrm>
+          <a:prstGeom prst="rect">
+            <a:avLst/>
+          </a:prstGeom>
+        </p:spPr>
+      </p:pic>
+      <p:pic>
+        <p:nvPicPr>
+          <p:cNvPr id="8" name="Picture 7" descr="A person standing on a court with a racket&#10;&#10;Description automatically generated">
+            <a:extLst>
+              <a:ext uri="{FF2B5EF4-FFF2-40B4-BE49-F238E27FC236}">
+                <a16:creationId xmlns:a16="http://schemas.microsoft.com/office/drawing/2014/main" id="{ED99C11B-E7F5-48F6-828B-158CACE45D27}"/>
+              </a:ext>
+            </a:extLst>
+          </p:cNvPr>
+          <p:cNvPicPr>
+            <a:picLocks noChangeAspect="1"/>
+          </p:cNvPicPr>
+          <p:nvPr/>
+        </p:nvPicPr>
+        <p:blipFill>
+          <a:blip r:embed="rId8">
+            <a:extLst>
+              <a:ext uri="{28A0092B-C50C-407E-A947-70E740481C1C}">
+                <a14:useLocalDpi xmlns:a14="http://schemas.microsoft.com/office/drawing/2010/main" val="0"/>
+              </a:ext>
+            </a:extLst>
+          </a:blip>
+          <a:stretch>
+            <a:fillRect/>
+          </a:stretch>
+        </p:blipFill>
+        <p:spPr>
+          <a:xfrm>
+            <a:off x="6172083" y="124083"/>
+            <a:ext cx="1763322" cy="1175548"/>
+          </a:xfrm>
+          <a:prstGeom prst="rect">
+            <a:avLst/>
+          </a:prstGeom>
+        </p:spPr>
+      </p:pic>
+      <p:pic>
+        <p:nvPicPr>
+          <p:cNvPr id="10" name="Picture 9" descr="A picture containing sky, star, night, black&#10;&#10;Description automatically generated">
+            <a:extLst>
+              <a:ext uri="{FF2B5EF4-FFF2-40B4-BE49-F238E27FC236}">
+                <a16:creationId xmlns:a16="http://schemas.microsoft.com/office/drawing/2014/main" id="{F3B3440D-3F61-4919-A11F-CE697D14CBA6}"/>
+              </a:ext>
+            </a:extLst>
+          </p:cNvPr>
+          <p:cNvPicPr>
+            <a:picLocks noChangeAspect="1"/>
+          </p:cNvPicPr>
+          <p:nvPr/>
+        </p:nvPicPr>
+        <p:blipFill>
+          <a:blip r:embed="rId9">
+            <a:extLst>
+              <a:ext uri="{28A0092B-C50C-407E-A947-70E740481C1C}">
+                <a14:useLocalDpi xmlns:a14="http://schemas.microsoft.com/office/drawing/2010/main" val="0"/>
+              </a:ext>
+            </a:extLst>
+          </a:blip>
+          <a:stretch>
+            <a:fillRect/>
+          </a:stretch>
+        </p:blipFill>
+        <p:spPr>
+          <a:xfrm>
+            <a:off x="1765048" y="2252536"/>
+            <a:ext cx="1865032" cy="1243355"/>
+          </a:xfrm>
+          <a:prstGeom prst="rect">
+            <a:avLst/>
+          </a:prstGeom>
+        </p:spPr>
+      </p:pic>
+      <p:pic>
+        <p:nvPicPr>
+          <p:cNvPr id="12" name="Picture 11" descr="A picture containing black, sky, star, cat&#10;&#10;Description automatically generated">
+            <a:extLst>
+              <a:ext uri="{FF2B5EF4-FFF2-40B4-BE49-F238E27FC236}">
+                <a16:creationId xmlns:a16="http://schemas.microsoft.com/office/drawing/2014/main" id="{10146494-AA8E-4928-BA02-8087F827E46A}"/>
+              </a:ext>
+            </a:extLst>
+          </p:cNvPr>
+          <p:cNvPicPr>
+            <a:picLocks noChangeAspect="1"/>
+          </p:cNvPicPr>
+          <p:nvPr/>
+        </p:nvPicPr>
+        <p:blipFill>
+          <a:blip r:embed="rId10">
+            <a:extLst>
+              <a:ext uri="{28A0092B-C50C-407E-A947-70E740481C1C}">
+                <a14:useLocalDpi xmlns:a14="http://schemas.microsoft.com/office/drawing/2010/main" val="0"/>
+              </a:ext>
+            </a:extLst>
+          </a:blip>
+          <a:stretch>
+            <a:fillRect/>
+          </a:stretch>
+        </p:blipFill>
+        <p:spPr>
+          <a:xfrm>
+            <a:off x="1773926" y="3573118"/>
+            <a:ext cx="1865034" cy="1243356"/>
+          </a:xfrm>
+          <a:prstGeom prst="rect">
+            <a:avLst/>
+          </a:prstGeom>
+        </p:spPr>
+      </p:pic>
+      <p:pic>
+        <p:nvPicPr>
+          <p:cNvPr id="14" name="Picture 13" descr="A picture containing monitor, sitting, black, table&#10;&#10;Description automatically generated">
+            <a:extLst>
+              <a:ext uri="{FF2B5EF4-FFF2-40B4-BE49-F238E27FC236}">
+                <a16:creationId xmlns:a16="http://schemas.microsoft.com/office/drawing/2014/main" id="{DDCF9589-24D9-4432-8013-C5E2BD915689}"/>
+              </a:ext>
+            </a:extLst>
+          </p:cNvPr>
+          <p:cNvPicPr>
+            <a:picLocks noChangeAspect="1"/>
+          </p:cNvPicPr>
+          <p:nvPr/>
+        </p:nvPicPr>
+        <p:blipFill>
+          <a:blip r:embed="rId11">
+            <a:extLst>
+              <a:ext uri="{28A0092B-C50C-407E-A947-70E740481C1C}">
+                <a14:useLocalDpi xmlns:a14="http://schemas.microsoft.com/office/drawing/2010/main" val="0"/>
+              </a:ext>
+            </a:extLst>
+          </a:blip>
+          <a:stretch>
+            <a:fillRect/>
+          </a:stretch>
+        </p:blipFill>
+        <p:spPr>
+          <a:xfrm>
+            <a:off x="3738007" y="2252536"/>
+            <a:ext cx="1865034" cy="1243356"/>
+          </a:xfrm>
+          <a:prstGeom prst="rect">
+            <a:avLst/>
+          </a:prstGeom>
+        </p:spPr>
+      </p:pic>
+      <p:pic>
+        <p:nvPicPr>
+          <p:cNvPr id="16" name="Picture 15" descr="A picture containing star, light&#10;&#10;Description automatically generated">
+            <a:extLst>
+              <a:ext uri="{FF2B5EF4-FFF2-40B4-BE49-F238E27FC236}">
+                <a16:creationId xmlns:a16="http://schemas.microsoft.com/office/drawing/2014/main" id="{8F1ECA61-1A2C-45E3-AD07-B2F8821384EE}"/>
+              </a:ext>
+            </a:extLst>
+          </p:cNvPr>
+          <p:cNvPicPr>
+            <a:picLocks noChangeAspect="1"/>
+          </p:cNvPicPr>
+          <p:nvPr/>
+        </p:nvPicPr>
+        <p:blipFill>
+          <a:blip r:embed="rId12">
+            <a:extLst>
+              <a:ext uri="{28A0092B-C50C-407E-A947-70E740481C1C}">
+                <a14:useLocalDpi xmlns:a14="http://schemas.microsoft.com/office/drawing/2010/main" val="0"/>
+              </a:ext>
+            </a:extLst>
+          </a:blip>
+          <a:stretch>
+            <a:fillRect/>
+          </a:stretch>
+        </p:blipFill>
+        <p:spPr>
+          <a:xfrm>
+            <a:off x="3746882" y="3573118"/>
+            <a:ext cx="1865034" cy="1243356"/>
+          </a:xfrm>
+          <a:prstGeom prst="rect">
+            <a:avLst/>
+          </a:prstGeom>
+        </p:spPr>
+      </p:pic>
+      <p:pic>
+        <p:nvPicPr>
+          <p:cNvPr id="18" name="Picture 17" descr="A picture containing sky, star&#10;&#10;Description automatically generated">
+            <a:extLst>
+              <a:ext uri="{FF2B5EF4-FFF2-40B4-BE49-F238E27FC236}">
+                <a16:creationId xmlns:a16="http://schemas.microsoft.com/office/drawing/2014/main" id="{D345E3D2-C35A-4688-B737-885E53A4F2F6}"/>
+              </a:ext>
+            </a:extLst>
+          </p:cNvPr>
+          <p:cNvPicPr>
+            <a:picLocks noChangeAspect="1"/>
+          </p:cNvPicPr>
+          <p:nvPr/>
+        </p:nvPicPr>
+        <p:blipFill>
+          <a:blip r:embed="rId13">
+            <a:extLst>
+              <a:ext uri="{28A0092B-C50C-407E-A947-70E740481C1C}">
+                <a14:useLocalDpi xmlns:a14="http://schemas.microsoft.com/office/drawing/2010/main" val="0"/>
+              </a:ext>
+            </a:extLst>
+          </a:blip>
+          <a:stretch>
+            <a:fillRect/>
+          </a:stretch>
+        </p:blipFill>
+        <p:spPr>
+          <a:xfrm>
+            <a:off x="5719838" y="2252536"/>
+            <a:ext cx="1865034" cy="1243356"/>
+          </a:xfrm>
+          <a:prstGeom prst="rect">
+            <a:avLst/>
+          </a:prstGeom>
+        </p:spPr>
+      </p:pic>
+      <p:pic>
+        <p:nvPicPr>
+          <p:cNvPr id="20" name="Picture 19" descr="A picture containing star, sky&#10;&#10;Description automatically generated">
+            <a:extLst>
+              <a:ext uri="{FF2B5EF4-FFF2-40B4-BE49-F238E27FC236}">
+                <a16:creationId xmlns:a16="http://schemas.microsoft.com/office/drawing/2014/main" id="{D8187563-CE3F-4B75-B50F-A85451269462}"/>
+              </a:ext>
+            </a:extLst>
+          </p:cNvPr>
+          <p:cNvPicPr>
+            <a:picLocks noChangeAspect="1"/>
+          </p:cNvPicPr>
+          <p:nvPr/>
+        </p:nvPicPr>
+        <p:blipFill>
+          <a:blip r:embed="rId14">
+            <a:extLst>
+              <a:ext uri="{28A0092B-C50C-407E-A947-70E740481C1C}">
+                <a14:useLocalDpi xmlns:a14="http://schemas.microsoft.com/office/drawing/2010/main" val="0"/>
+              </a:ext>
+            </a:extLst>
+          </a:blip>
+          <a:stretch>
+            <a:fillRect/>
+          </a:stretch>
+        </p:blipFill>
+        <p:spPr>
+          <a:xfrm>
+            <a:off x="5719838" y="3573119"/>
+            <a:ext cx="1865034" cy="1243356"/>
+          </a:xfrm>
+          <a:prstGeom prst="rect">
+            <a:avLst/>
+          </a:prstGeom>
+        </p:spPr>
+      </p:pic>
+      <p:pic>
+        <p:nvPicPr>
+          <p:cNvPr id="22" name="Picture 21" descr="A picture containing star&#10;&#10;Description automatically generated">
+            <a:extLst>
+              <a:ext uri="{FF2B5EF4-FFF2-40B4-BE49-F238E27FC236}">
+                <a16:creationId xmlns:a16="http://schemas.microsoft.com/office/drawing/2014/main" id="{495EC0DD-72A4-4BC7-B126-FF07D658C41B}"/>
+              </a:ext>
+            </a:extLst>
+          </p:cNvPr>
+          <p:cNvPicPr>
+            <a:picLocks noChangeAspect="1"/>
+          </p:cNvPicPr>
+          <p:nvPr/>
+        </p:nvPicPr>
+        <p:blipFill>
+          <a:blip r:embed="rId15">
+            <a:extLst>
+              <a:ext uri="{28A0092B-C50C-407E-A947-70E740481C1C}">
+                <a14:useLocalDpi xmlns:a14="http://schemas.microsoft.com/office/drawing/2010/main" val="0"/>
+              </a:ext>
+            </a:extLst>
+          </a:blip>
+          <a:stretch>
+            <a:fillRect/>
+          </a:stretch>
+        </p:blipFill>
+        <p:spPr>
+          <a:xfrm>
+            <a:off x="7726006" y="2252540"/>
+            <a:ext cx="1865034" cy="1243356"/>
+          </a:xfrm>
+          <a:prstGeom prst="rect">
+            <a:avLst/>
+          </a:prstGeom>
+        </p:spPr>
+      </p:pic>
+      <p:pic>
+        <p:nvPicPr>
+          <p:cNvPr id="24" name="Picture 23" descr="A picture containing star&#10;&#10;Description automatically generated">
+            <a:extLst>
+              <a:ext uri="{FF2B5EF4-FFF2-40B4-BE49-F238E27FC236}">
+                <a16:creationId xmlns:a16="http://schemas.microsoft.com/office/drawing/2014/main" id="{ECCA5E79-3D2E-4FF0-939D-1693E7EB85DE}"/>
+              </a:ext>
+            </a:extLst>
+          </p:cNvPr>
+          <p:cNvPicPr>
+            <a:picLocks noChangeAspect="1"/>
+          </p:cNvPicPr>
+          <p:nvPr/>
+        </p:nvPicPr>
+        <p:blipFill>
+          <a:blip r:embed="rId16">
+            <a:extLst>
+              <a:ext uri="{28A0092B-C50C-407E-A947-70E740481C1C}">
+                <a14:useLocalDpi xmlns:a14="http://schemas.microsoft.com/office/drawing/2010/main" val="0"/>
+              </a:ext>
+            </a:extLst>
+          </a:blip>
+          <a:stretch>
+            <a:fillRect/>
+          </a:stretch>
+        </p:blipFill>
+        <p:spPr>
+          <a:xfrm>
+            <a:off x="7726934" y="3573122"/>
+            <a:ext cx="1865034" cy="1243356"/>
+          </a:xfrm>
+          <a:prstGeom prst="rect">
+            <a:avLst/>
+          </a:prstGeom>
+        </p:spPr>
+      </p:pic>
+      <p:pic>
+        <p:nvPicPr>
+          <p:cNvPr id="26" name="Picture 25" descr="A picture containing cat&#10;&#10;Description automatically generated">
+            <a:extLst>
+              <a:ext uri="{FF2B5EF4-FFF2-40B4-BE49-F238E27FC236}">
+                <a16:creationId xmlns:a16="http://schemas.microsoft.com/office/drawing/2014/main" id="{986E4541-0E64-4DE2-B4A1-276F1C40FE38}"/>
+              </a:ext>
+            </a:extLst>
+          </p:cNvPr>
+          <p:cNvPicPr>
+            <a:picLocks noChangeAspect="1"/>
+          </p:cNvPicPr>
+          <p:nvPr/>
+        </p:nvPicPr>
+        <p:blipFill>
+          <a:blip r:embed="rId17">
+            <a:extLst>
+              <a:ext uri="{28A0092B-C50C-407E-A947-70E740481C1C}">
+                <a14:useLocalDpi xmlns:a14="http://schemas.microsoft.com/office/drawing/2010/main" val="0"/>
+              </a:ext>
+            </a:extLst>
+          </a:blip>
+          <a:stretch>
+            <a:fillRect/>
+          </a:stretch>
+        </p:blipFill>
+        <p:spPr>
+          <a:xfrm>
+            <a:off x="9698962" y="2252540"/>
+            <a:ext cx="1865034" cy="1243356"/>
+          </a:xfrm>
+          <a:prstGeom prst="rect">
+            <a:avLst/>
+          </a:prstGeom>
+        </p:spPr>
+      </p:pic>
+      <p:pic>
+        <p:nvPicPr>
+          <p:cNvPr id="28" name="Picture 27">
+            <a:extLst>
+              <a:ext uri="{FF2B5EF4-FFF2-40B4-BE49-F238E27FC236}">
+                <a16:creationId xmlns:a16="http://schemas.microsoft.com/office/drawing/2014/main" id="{F538E148-CD64-4199-968E-01C23316F218}"/>
+              </a:ext>
+            </a:extLst>
+          </p:cNvPr>
+          <p:cNvPicPr>
+            <a:picLocks noChangeAspect="1"/>
+          </p:cNvPicPr>
+          <p:nvPr/>
+        </p:nvPicPr>
+        <p:blipFill>
+          <a:blip r:embed="rId18">
+            <a:extLst>
+              <a:ext uri="{28A0092B-C50C-407E-A947-70E740481C1C}">
+                <a14:useLocalDpi xmlns:a14="http://schemas.microsoft.com/office/drawing/2010/main" val="0"/>
+              </a:ext>
+            </a:extLst>
+          </a:blip>
+          <a:stretch>
+            <a:fillRect/>
+          </a:stretch>
+        </p:blipFill>
+        <p:spPr>
+          <a:xfrm>
+            <a:off x="9707839" y="3582202"/>
+            <a:ext cx="1865034" cy="1243356"/>
+          </a:xfrm>
+          <a:prstGeom prst="rect">
+            <a:avLst/>
+          </a:prstGeom>
+        </p:spPr>
+      </p:pic>
+      <p:sp>
+        <p:nvSpPr>
+          <p:cNvPr id="29" name="TextBox 28">
+            <a:extLst>
+              <a:ext uri="{FF2B5EF4-FFF2-40B4-BE49-F238E27FC236}">
+                <a16:creationId xmlns:a16="http://schemas.microsoft.com/office/drawing/2014/main" id="{8B3761D4-AD6D-4EDE-8B59-6A91FFB94602}"/>
+              </a:ext>
+            </a:extLst>
+          </p:cNvPr>
+          <p:cNvSpPr txBox="1"/>
+          <p:nvPr/>
+        </p:nvSpPr>
+        <p:spPr>
+          <a:xfrm>
+            <a:off x="664435" y="2689547"/>
+            <a:ext cx="476250" cy="369332"/>
+          </a:xfrm>
+          <a:prstGeom prst="rect">
+            <a:avLst/>
+          </a:prstGeom>
+          <a:noFill/>
+        </p:spPr>
+        <p:txBody>
+          <a:bodyPr wrap="square" rtlCol="0">
+            <a:spAutoFit/>
+          </a:bodyPr>
+          <a:lstStyle/>
+          <a:p>
+            <a:r>
+              <a:rPr lang="en-CA" dirty="0"/>
+              <a:t>VIS</a:t>
+            </a:r>
+          </a:p>
+        </p:txBody>
+      </p:sp>
+      <p:sp>
+        <p:nvSpPr>
+          <p:cNvPr id="30" name="TextBox 29">
+            <a:extLst>
+              <a:ext uri="{FF2B5EF4-FFF2-40B4-BE49-F238E27FC236}">
+                <a16:creationId xmlns:a16="http://schemas.microsoft.com/office/drawing/2014/main" id="{39FB67CA-F0D5-47E9-B473-6403CD24C198}"/>
+              </a:ext>
+            </a:extLst>
+          </p:cNvPr>
+          <p:cNvSpPr txBox="1"/>
+          <p:nvPr/>
+        </p:nvSpPr>
+        <p:spPr>
+          <a:xfrm>
+            <a:off x="700220" y="4010130"/>
+            <a:ext cx="476250" cy="369332"/>
+          </a:xfrm>
+          <a:prstGeom prst="rect">
+            <a:avLst/>
+          </a:prstGeom>
+          <a:noFill/>
+        </p:spPr>
+        <p:txBody>
+          <a:bodyPr wrap="square" rtlCol="0">
+            <a:spAutoFit/>
+          </a:bodyPr>
+          <a:lstStyle/>
+          <a:p>
+            <a:r>
+              <a:rPr lang="en-CA" dirty="0"/>
+              <a:t>IR</a:t>
+            </a:r>
+          </a:p>
+        </p:txBody>
+      </p:sp>
+      <p:sp>
+        <p:nvSpPr>
+          <p:cNvPr id="31" name="TextBox 30">
+            <a:extLst>
+              <a:ext uri="{FF2B5EF4-FFF2-40B4-BE49-F238E27FC236}">
+                <a16:creationId xmlns:a16="http://schemas.microsoft.com/office/drawing/2014/main" id="{A3AD555D-C64E-4E24-A2D2-FA1C79B515A9}"/>
+              </a:ext>
+            </a:extLst>
+          </p:cNvPr>
+          <p:cNvSpPr txBox="1"/>
+          <p:nvPr/>
+        </p:nvSpPr>
+        <p:spPr>
+          <a:xfrm>
+            <a:off x="259623" y="5330713"/>
+            <a:ext cx="1285873" cy="369332"/>
+          </a:xfrm>
+          <a:prstGeom prst="rect">
+            <a:avLst/>
+          </a:prstGeom>
+          <a:noFill/>
+        </p:spPr>
+        <p:txBody>
+          <a:bodyPr wrap="square" rtlCol="0">
+            <a:spAutoFit/>
+          </a:bodyPr>
+          <a:lstStyle/>
+          <a:p>
+            <a:r>
+              <a:rPr lang="en-CA" dirty="0"/>
+              <a:t>Difference</a:t>
+            </a:r>
+          </a:p>
+        </p:txBody>
+      </p:sp>
+      <p:sp>
+        <p:nvSpPr>
+          <p:cNvPr id="32" name="TextBox 31">
+            <a:extLst>
+              <a:ext uri="{FF2B5EF4-FFF2-40B4-BE49-F238E27FC236}">
+                <a16:creationId xmlns:a16="http://schemas.microsoft.com/office/drawing/2014/main" id="{DBD4AC1B-E77A-433C-8EDF-BA30B5819DE6}"/>
+              </a:ext>
+            </a:extLst>
+          </p:cNvPr>
+          <p:cNvSpPr txBox="1"/>
+          <p:nvPr/>
+        </p:nvSpPr>
+        <p:spPr>
+          <a:xfrm>
+            <a:off x="2348932" y="1805977"/>
+            <a:ext cx="715021" cy="369332"/>
+          </a:xfrm>
+          <a:prstGeom prst="rect">
+            <a:avLst/>
+          </a:prstGeom>
+          <a:noFill/>
+        </p:spPr>
+        <p:txBody>
+          <a:bodyPr wrap="square" rtlCol="0">
+            <a:spAutoFit/>
+          </a:bodyPr>
+          <a:lstStyle/>
+          <a:p>
+            <a:r>
+              <a:rPr lang="en-CA" dirty="0"/>
+              <a:t>AWS</a:t>
+            </a:r>
+          </a:p>
+        </p:txBody>
+      </p:sp>
+      <p:sp>
+        <p:nvSpPr>
+          <p:cNvPr id="33" name="TextBox 32">
+            <a:extLst>
+              <a:ext uri="{FF2B5EF4-FFF2-40B4-BE49-F238E27FC236}">
+                <a16:creationId xmlns:a16="http://schemas.microsoft.com/office/drawing/2014/main" id="{B8DE06FD-E20E-4791-9A20-2587626DE905}"/>
+              </a:ext>
+            </a:extLst>
+          </p:cNvPr>
+          <p:cNvSpPr txBox="1"/>
+          <p:nvPr/>
+        </p:nvSpPr>
+        <p:spPr>
+          <a:xfrm>
+            <a:off x="4321888" y="1762987"/>
+            <a:ext cx="715021" cy="369332"/>
+          </a:xfrm>
+          <a:prstGeom prst="rect">
+            <a:avLst/>
+          </a:prstGeom>
+          <a:noFill/>
+        </p:spPr>
+        <p:txBody>
+          <a:bodyPr wrap="square" rtlCol="0">
+            <a:spAutoFit/>
+          </a:bodyPr>
+          <a:lstStyle/>
+          <a:p>
+            <a:r>
+              <a:rPr lang="en-CA" dirty="0"/>
+              <a:t>DVA</a:t>
+            </a:r>
+          </a:p>
+        </p:txBody>
+      </p:sp>
+      <p:sp>
+        <p:nvSpPr>
+          <p:cNvPr id="34" name="TextBox 33">
+            <a:extLst>
+              <a:ext uri="{FF2B5EF4-FFF2-40B4-BE49-F238E27FC236}">
+                <a16:creationId xmlns:a16="http://schemas.microsoft.com/office/drawing/2014/main" id="{4EB786CD-4055-4E36-BE61-B50B3C26DC24}"/>
+              </a:ext>
+            </a:extLst>
+          </p:cNvPr>
+          <p:cNvSpPr txBox="1"/>
+          <p:nvPr/>
+        </p:nvSpPr>
+        <p:spPr>
+          <a:xfrm>
+            <a:off x="6303722" y="1762987"/>
+            <a:ext cx="715021" cy="369332"/>
+          </a:xfrm>
+          <a:prstGeom prst="rect">
+            <a:avLst/>
+          </a:prstGeom>
+          <a:noFill/>
+        </p:spPr>
+        <p:txBody>
+          <a:bodyPr wrap="square" rtlCol="0">
+            <a:spAutoFit/>
+          </a:bodyPr>
+          <a:lstStyle/>
+          <a:p>
+            <a:r>
+              <a:rPr lang="en-CA" dirty="0"/>
+              <a:t>GBVS</a:t>
+            </a:r>
+          </a:p>
+        </p:txBody>
+      </p:sp>
+      <p:sp>
+        <p:nvSpPr>
+          <p:cNvPr id="35" name="TextBox 34">
+            <a:extLst>
+              <a:ext uri="{FF2B5EF4-FFF2-40B4-BE49-F238E27FC236}">
+                <a16:creationId xmlns:a16="http://schemas.microsoft.com/office/drawing/2014/main" id="{4F60748B-9B97-4103-BD4B-63DAA043968C}"/>
+              </a:ext>
+            </a:extLst>
+          </p:cNvPr>
+          <p:cNvSpPr txBox="1"/>
+          <p:nvPr/>
+        </p:nvSpPr>
+        <p:spPr>
+          <a:xfrm>
+            <a:off x="8301012" y="1753466"/>
+            <a:ext cx="715021" cy="369332"/>
+          </a:xfrm>
+          <a:prstGeom prst="rect">
+            <a:avLst/>
+          </a:prstGeom>
+          <a:noFill/>
+        </p:spPr>
+        <p:txBody>
+          <a:bodyPr wrap="square" rtlCol="0">
+            <a:spAutoFit/>
+          </a:bodyPr>
+          <a:lstStyle/>
+          <a:p>
+            <a:r>
+              <a:rPr lang="en-CA" dirty="0"/>
+              <a:t>IKN</a:t>
+            </a:r>
+          </a:p>
+        </p:txBody>
+      </p:sp>
+      <p:sp>
+        <p:nvSpPr>
+          <p:cNvPr id="36" name="TextBox 35">
+            <a:extLst>
+              <a:ext uri="{FF2B5EF4-FFF2-40B4-BE49-F238E27FC236}">
+                <a16:creationId xmlns:a16="http://schemas.microsoft.com/office/drawing/2014/main" id="{9E6C5CF7-C41A-445B-A098-7552954D1902}"/>
+              </a:ext>
+            </a:extLst>
+          </p:cNvPr>
+          <p:cNvSpPr txBox="1"/>
+          <p:nvPr/>
+        </p:nvSpPr>
+        <p:spPr>
+          <a:xfrm>
+            <a:off x="10051342" y="1753466"/>
+            <a:ext cx="1160273" cy="369332"/>
+          </a:xfrm>
+          <a:prstGeom prst="rect">
+            <a:avLst/>
+          </a:prstGeom>
+          <a:noFill/>
+        </p:spPr>
+        <p:txBody>
+          <a:bodyPr wrap="square" rtlCol="0">
+            <a:spAutoFit/>
+          </a:bodyPr>
+          <a:lstStyle/>
+          <a:p>
+            <a:r>
+              <a:rPr lang="en-CA" dirty="0"/>
+              <a:t>RARE2012</a:t>
+            </a:r>
+          </a:p>
+        </p:txBody>
+      </p:sp>
+      <p:sp>
+        <p:nvSpPr>
+          <p:cNvPr id="9" name="TextBox 8">
+            <a:extLst>
+              <a:ext uri="{FF2B5EF4-FFF2-40B4-BE49-F238E27FC236}">
+                <a16:creationId xmlns:a16="http://schemas.microsoft.com/office/drawing/2014/main" id="{3299210F-EE92-4085-B258-934ACFFCE95D}"/>
+              </a:ext>
+            </a:extLst>
+          </p:cNvPr>
+          <p:cNvSpPr txBox="1"/>
+          <p:nvPr/>
+        </p:nvSpPr>
+        <p:spPr>
+          <a:xfrm>
+            <a:off x="5291642" y="1304334"/>
+            <a:ext cx="1762102" cy="276999"/>
+          </a:xfrm>
+          <a:prstGeom prst="rect">
+            <a:avLst/>
+          </a:prstGeom>
+          <a:noFill/>
+        </p:spPr>
+        <p:txBody>
+          <a:bodyPr wrap="square" rtlCol="0">
+            <a:spAutoFit/>
+          </a:bodyPr>
+          <a:lstStyle/>
+          <a:p>
+            <a:r>
+              <a:rPr lang="en-CA" sz="1200" dirty="0"/>
+              <a:t>VIS/IR – Lab_1230_take5</a:t>
+            </a:r>
+          </a:p>
+        </p:txBody>
+      </p:sp>
+      <p:sp>
+        <p:nvSpPr>
+          <p:cNvPr id="11" name="TextBox 10">
+            <a:extLst>
+              <a:ext uri="{FF2B5EF4-FFF2-40B4-BE49-F238E27FC236}">
+                <a16:creationId xmlns:a16="http://schemas.microsoft.com/office/drawing/2014/main" id="{33BD936D-347C-4E44-B6CD-DE234DEC8CBA}"/>
+              </a:ext>
+            </a:extLst>
+          </p:cNvPr>
+          <p:cNvSpPr txBox="1"/>
+          <p:nvPr/>
+        </p:nvSpPr>
+        <p:spPr>
+          <a:xfrm>
+            <a:off x="2804329" y="527191"/>
+            <a:ext cx="1473694" cy="369332"/>
+          </a:xfrm>
+          <a:prstGeom prst="rect">
+            <a:avLst/>
+          </a:prstGeom>
+          <a:noFill/>
+        </p:spPr>
+        <p:txBody>
+          <a:bodyPr wrap="square" rtlCol="0">
+            <a:spAutoFit/>
+          </a:bodyPr>
+          <a:lstStyle/>
+          <a:p>
+            <a:r>
+              <a:rPr lang="en-CA" dirty="0"/>
+              <a:t>Input images</a:t>
+            </a:r>
+          </a:p>
+        </p:txBody>
+      </p:sp>
+      <p:cxnSp>
+        <p:nvCxnSpPr>
+          <p:cNvPr id="15" name="Straight Connector 14">
+            <a:extLst>
+              <a:ext uri="{FF2B5EF4-FFF2-40B4-BE49-F238E27FC236}">
+                <a16:creationId xmlns:a16="http://schemas.microsoft.com/office/drawing/2014/main" id="{9AE69AE9-CC51-42FE-BF74-3216D2EB3AA3}"/>
+              </a:ext>
+            </a:extLst>
+          </p:cNvPr>
+          <p:cNvCxnSpPr/>
+          <p:nvPr/>
+        </p:nvCxnSpPr>
+        <p:spPr>
+          <a:xfrm>
+            <a:off x="1651247" y="1762987"/>
+            <a:ext cx="0" cy="4383147"/>
+          </a:xfrm>
+          <a:prstGeom prst="line">
+            <a:avLst/>
+          </a:prstGeom>
+        </p:spPr>
+        <p:style>
+          <a:lnRef idx="3">
+            <a:schemeClr val="dk1"/>
+          </a:lnRef>
+          <a:fillRef idx="0">
+            <a:schemeClr val="dk1"/>
+          </a:fillRef>
+          <a:effectRef idx="2">
+            <a:schemeClr val="dk1"/>
+          </a:effectRef>
+          <a:fontRef idx="minor">
+            <a:schemeClr val="tx1"/>
+          </a:fontRef>
+        </p:style>
+      </p:cxnSp>
+      <p:cxnSp>
+        <p:nvCxnSpPr>
+          <p:cNvPr id="19" name="Straight Connector 18">
+            <a:extLst>
+              <a:ext uri="{FF2B5EF4-FFF2-40B4-BE49-F238E27FC236}">
+                <a16:creationId xmlns:a16="http://schemas.microsoft.com/office/drawing/2014/main" id="{E6C16D8F-8EF7-42A9-B17E-C0F0C364612D}"/>
+              </a:ext>
+            </a:extLst>
+          </p:cNvPr>
+          <p:cNvCxnSpPr/>
+          <p:nvPr/>
+        </p:nvCxnSpPr>
+        <p:spPr>
+          <a:xfrm>
+            <a:off x="88777" y="2132319"/>
+            <a:ext cx="11484096" cy="0"/>
+          </a:xfrm>
+          <a:prstGeom prst="line">
+            <a:avLst/>
+          </a:prstGeom>
+        </p:spPr>
+        <p:style>
+          <a:lnRef idx="3">
+            <a:schemeClr val="dk1"/>
+          </a:lnRef>
+          <a:fillRef idx="0">
+            <a:schemeClr val="dk1"/>
+          </a:fillRef>
+          <a:effectRef idx="2">
+            <a:schemeClr val="dk1"/>
+          </a:effectRef>
+          <a:fontRef idx="minor">
+            <a:schemeClr val="tx1"/>
+          </a:fontRef>
+        </p:style>
+      </p:cxnSp>
     </p:spTree>
     <p:extLst>
       <p:ext uri="{BB962C8B-B14F-4D97-AF65-F5344CB8AC3E}">
-        <p14:creationId xmlns:p14="http://schemas.microsoft.com/office/powerpoint/2010/main" val="228343549"/>
+        <p14:creationId xmlns:p14="http://schemas.microsoft.com/office/powerpoint/2010/main" val="3384849628"/>
+      </p:ext>
+    </p:extLst>
+  </p:cSld>
+  <p:clrMapOvr>
+    <a:masterClrMapping/>
+  </p:clrMapOvr>
+</p:sld>
+</file>
+
+<file path=ppt/slides/slide11.xml><?xml version="1.0" encoding="utf-8"?>
+<p:sld xmlns:a="http://schemas.openxmlformats.org/drawingml/2006/main" xmlns:r="http://schemas.openxmlformats.org/officeDocument/2006/relationships" xmlns:p="http://schemas.openxmlformats.org/presentationml/2006/main">
+  <p:cSld>
+    <p:spTree>
+      <p:nvGrpSpPr>
+        <p:cNvPr id="1" name=""/>
+        <p:cNvGrpSpPr/>
+        <p:nvPr/>
+      </p:nvGrpSpPr>
+      <p:grpSpPr>
+        <a:xfrm>
+          <a:off x="0" y="0"/>
+          <a:ext cx="0" cy="0"/>
+          <a:chOff x="0" y="0"/>
+          <a:chExt cx="0" cy="0"/>
+        </a:xfrm>
+      </p:grpSpPr>
+      <p:sp>
+        <p:nvSpPr>
+          <p:cNvPr id="2" name="Title 1">
+            <a:extLst>
+              <a:ext uri="{FF2B5EF4-FFF2-40B4-BE49-F238E27FC236}">
+                <a16:creationId xmlns:a16="http://schemas.microsoft.com/office/drawing/2014/main" id="{4F184185-DE0F-43EA-B9E3-73C9330F1FB5}"/>
+              </a:ext>
+            </a:extLst>
+          </p:cNvPr>
+          <p:cNvSpPr>
+            <a:spLocks noGrp="1"/>
+          </p:cNvSpPr>
+          <p:nvPr>
+            <p:ph type="title"/>
+          </p:nvPr>
+        </p:nvSpPr>
+        <p:spPr/>
+        <p:txBody>
+          <a:bodyPr/>
+          <a:lstStyle/>
+          <a:p>
+            <a:r>
+              <a:rPr lang="en-CA" dirty="0"/>
+              <a:t>Metrics – Score/Missed</a:t>
+            </a:r>
+          </a:p>
+        </p:txBody>
+      </p:sp>
+      <p:pic>
+        <p:nvPicPr>
+          <p:cNvPr id="5" name="Content Placeholder 4" descr="A close up of a map&#10;&#10;Description automatically generated">
+            <a:extLst>
+              <a:ext uri="{FF2B5EF4-FFF2-40B4-BE49-F238E27FC236}">
+                <a16:creationId xmlns:a16="http://schemas.microsoft.com/office/drawing/2014/main" id="{7E723D74-3CDC-4A65-A5BE-41EF82FCAB7A}"/>
+              </a:ext>
+            </a:extLst>
+          </p:cNvPr>
+          <p:cNvPicPr>
+            <a:picLocks noGrp="1" noChangeAspect="1"/>
+          </p:cNvPicPr>
+          <p:nvPr>
+            <p:ph idx="1"/>
+          </p:nvPr>
+        </p:nvPicPr>
+        <p:blipFill>
+          <a:blip r:embed="rId2">
+            <a:extLst>
+              <a:ext uri="{28A0092B-C50C-407E-A947-70E740481C1C}">
+                <a14:useLocalDpi xmlns:a14="http://schemas.microsoft.com/office/drawing/2010/main" val="0"/>
+              </a:ext>
+            </a:extLst>
+          </a:blip>
+          <a:stretch>
+            <a:fillRect/>
+          </a:stretch>
+        </p:blipFill>
+        <p:spPr>
+          <a:xfrm>
+            <a:off x="6096000" y="1857625"/>
+            <a:ext cx="5333333" cy="4000000"/>
+          </a:xfrm>
+          <a:prstGeom prst="rect">
+            <a:avLst/>
+          </a:prstGeom>
+          <a:ln w="38100" cap="sq">
+            <a:solidFill>
+              <a:srgbClr val="000000"/>
+            </a:solidFill>
+            <a:prstDash val="solid"/>
+            <a:miter lim="800000"/>
+          </a:ln>
+          <a:effectLst>
+            <a:outerShdw blurRad="50800" dist="38100" dir="2700000" algn="tl" rotWithShape="0">
+              <a:srgbClr val="000000">
+                <a:alpha val="43000"/>
+              </a:srgbClr>
+            </a:outerShdw>
+          </a:effectLst>
+        </p:spPr>
+      </p:pic>
+      <p:pic>
+        <p:nvPicPr>
+          <p:cNvPr id="7" name="Picture 6" descr="A close up of a map&#10;&#10;Description automatically generated">
+            <a:extLst>
+              <a:ext uri="{FF2B5EF4-FFF2-40B4-BE49-F238E27FC236}">
+                <a16:creationId xmlns:a16="http://schemas.microsoft.com/office/drawing/2014/main" id="{770737BE-8E8D-45C4-904B-200B82807BED}"/>
+              </a:ext>
+            </a:extLst>
+          </p:cNvPr>
+          <p:cNvPicPr>
+            <a:picLocks noChangeAspect="1"/>
+          </p:cNvPicPr>
+          <p:nvPr/>
+        </p:nvPicPr>
+        <p:blipFill>
+          <a:blip r:embed="rId3">
+            <a:extLst>
+              <a:ext uri="{28A0092B-C50C-407E-A947-70E740481C1C}">
+                <a14:useLocalDpi xmlns:a14="http://schemas.microsoft.com/office/drawing/2010/main" val="0"/>
+              </a:ext>
+            </a:extLst>
+          </a:blip>
+          <a:stretch>
+            <a:fillRect/>
+          </a:stretch>
+        </p:blipFill>
+        <p:spPr>
+          <a:xfrm>
+            <a:off x="499521" y="1857625"/>
+            <a:ext cx="5333333" cy="4000000"/>
+          </a:xfrm>
+          <a:prstGeom prst="rect">
+            <a:avLst/>
+          </a:prstGeom>
+          <a:ln w="38100" cap="sq">
+            <a:solidFill>
+              <a:srgbClr val="000000"/>
+            </a:solidFill>
+            <a:prstDash val="solid"/>
+            <a:miter lim="800000"/>
+          </a:ln>
+          <a:effectLst>
+            <a:outerShdw blurRad="50800" dist="38100" dir="2700000" algn="tl" rotWithShape="0">
+              <a:srgbClr val="000000">
+                <a:alpha val="43000"/>
+              </a:srgbClr>
+            </a:outerShdw>
+          </a:effectLst>
+        </p:spPr>
+      </p:pic>
+    </p:spTree>
+    <p:extLst>
+      <p:ext uri="{BB962C8B-B14F-4D97-AF65-F5344CB8AC3E}">
+        <p14:creationId xmlns:p14="http://schemas.microsoft.com/office/powerpoint/2010/main" val="1344543855"/>
+      </p:ext>
+    </p:extLst>
+  </p:cSld>
+  <p:clrMapOvr>
+    <a:masterClrMapping/>
+  </p:clrMapOvr>
+</p:sld>
+</file>
+
+<file path=ppt/slides/slide12.xml><?xml version="1.0" encoding="utf-8"?>
+<p:sld xmlns:a="http://schemas.openxmlformats.org/drawingml/2006/main" xmlns:r="http://schemas.openxmlformats.org/officeDocument/2006/relationships" xmlns:p="http://schemas.openxmlformats.org/presentationml/2006/main">
+  <p:cSld>
+    <p:spTree>
+      <p:nvGrpSpPr>
+        <p:cNvPr id="1" name=""/>
+        <p:cNvGrpSpPr/>
+        <p:nvPr/>
+      </p:nvGrpSpPr>
+      <p:grpSpPr>
+        <a:xfrm>
+          <a:off x="0" y="0"/>
+          <a:ext cx="0" cy="0"/>
+          <a:chOff x="0" y="0"/>
+          <a:chExt cx="0" cy="0"/>
+        </a:xfrm>
+      </p:grpSpPr>
+      <p:sp>
+        <p:nvSpPr>
+          <p:cNvPr id="2" name="Title 1">
+            <a:extLst>
+              <a:ext uri="{FF2B5EF4-FFF2-40B4-BE49-F238E27FC236}">
+                <a16:creationId xmlns:a16="http://schemas.microsoft.com/office/drawing/2014/main" id="{126604B8-6D18-405C-9A0C-A81B8D353A04}"/>
+              </a:ext>
+            </a:extLst>
+          </p:cNvPr>
+          <p:cNvSpPr>
+            <a:spLocks noGrp="1"/>
+          </p:cNvSpPr>
+          <p:nvPr>
+            <p:ph type="title"/>
+          </p:nvPr>
+        </p:nvSpPr>
+        <p:spPr/>
+        <p:txBody>
+          <a:bodyPr/>
+          <a:lstStyle/>
+          <a:p>
+            <a:r>
+              <a:rPr lang="en-CA" dirty="0"/>
+              <a:t>Metrics – Score/Missed</a:t>
+            </a:r>
+          </a:p>
+        </p:txBody>
+      </p:sp>
+      <p:sp>
+        <p:nvSpPr>
+          <p:cNvPr id="3" name="Content Placeholder 2">
+            <a:extLst>
+              <a:ext uri="{FF2B5EF4-FFF2-40B4-BE49-F238E27FC236}">
+                <a16:creationId xmlns:a16="http://schemas.microsoft.com/office/drawing/2014/main" id="{E3891296-D395-4335-900C-46EA81DEBB7B}"/>
+              </a:ext>
+            </a:extLst>
+          </p:cNvPr>
+          <p:cNvSpPr>
+            <a:spLocks noGrp="1"/>
+          </p:cNvSpPr>
+          <p:nvPr>
+            <p:ph idx="1"/>
+          </p:nvPr>
+        </p:nvSpPr>
+        <p:spPr/>
+        <p:txBody>
+          <a:bodyPr/>
+          <a:lstStyle/>
+          <a:p>
+            <a:r>
+              <a:rPr lang="en-CA" dirty="0"/>
+              <a:t>Computed ROI for human map</a:t>
+            </a:r>
+          </a:p>
+          <a:p>
+            <a:r>
+              <a:rPr lang="en-CA" dirty="0"/>
+              <a:t>Calculated score and missed metrics based on map ROI for the VIS and IR saliency maps.</a:t>
+            </a:r>
+          </a:p>
+          <a:p>
+            <a:r>
+              <a:rPr lang="en-CA" dirty="0"/>
+              <a:t>We can see that across the various models, score between IR and VIS appears similar. However the VIS images actually tend to have a lot more misses.</a:t>
+            </a:r>
+          </a:p>
+          <a:p>
+            <a:r>
+              <a:rPr lang="en-CA" dirty="0"/>
+              <a:t>Some Caveats*</a:t>
+            </a:r>
+          </a:p>
+          <a:p>
+            <a:pPr lvl="1"/>
+            <a:r>
+              <a:rPr lang="en-CA" dirty="0"/>
+              <a:t>This analysis was done on a small subset (22 pairs)</a:t>
+            </a:r>
+          </a:p>
+          <a:p>
+            <a:pPr lvl="1"/>
+            <a:r>
+              <a:rPr lang="en-CA" dirty="0"/>
+              <a:t>Human maps need much more participants to be more robust</a:t>
+            </a:r>
+          </a:p>
+        </p:txBody>
+      </p:sp>
+    </p:spTree>
+    <p:extLst>
+      <p:ext uri="{BB962C8B-B14F-4D97-AF65-F5344CB8AC3E}">
+        <p14:creationId xmlns:p14="http://schemas.microsoft.com/office/powerpoint/2010/main" val="591390223"/>
+      </p:ext>
+    </p:extLst>
+  </p:cSld>
+  <p:clrMapOvr>
+    <a:masterClrMapping/>
+  </p:clrMapOvr>
+</p:sld>
+</file>
+
+<file path=ppt/slides/slide13.xml><?xml version="1.0" encoding="utf-8"?>
+<p:sld xmlns:a="http://schemas.openxmlformats.org/drawingml/2006/main" xmlns:r="http://schemas.openxmlformats.org/officeDocument/2006/relationships" xmlns:p="http://schemas.openxmlformats.org/presentationml/2006/main">
+  <p:cSld>
+    <p:spTree>
+      <p:nvGrpSpPr>
+        <p:cNvPr id="1" name=""/>
+        <p:cNvGrpSpPr/>
+        <p:nvPr/>
+      </p:nvGrpSpPr>
+      <p:grpSpPr>
+        <a:xfrm>
+          <a:off x="0" y="0"/>
+          <a:ext cx="0" cy="0"/>
+          <a:chOff x="0" y="0"/>
+          <a:chExt cx="0" cy="0"/>
+        </a:xfrm>
+      </p:grpSpPr>
+      <p:sp>
+        <p:nvSpPr>
+          <p:cNvPr id="2" name="Title 1">
+            <a:extLst>
+              <a:ext uri="{FF2B5EF4-FFF2-40B4-BE49-F238E27FC236}">
+                <a16:creationId xmlns:a16="http://schemas.microsoft.com/office/drawing/2014/main" id="{46484E7D-30DC-4824-A9CE-95928EFF9D12}"/>
+              </a:ext>
+            </a:extLst>
+          </p:cNvPr>
+          <p:cNvSpPr>
+            <a:spLocks noGrp="1"/>
+          </p:cNvSpPr>
+          <p:nvPr>
+            <p:ph type="title"/>
+          </p:nvPr>
+        </p:nvSpPr>
+        <p:spPr/>
+        <p:txBody>
+          <a:bodyPr/>
+          <a:lstStyle/>
+          <a:p>
+            <a:r>
+              <a:rPr lang="en-CA" dirty="0"/>
+              <a:t>Metrics – Analytical </a:t>
+            </a:r>
+          </a:p>
+        </p:txBody>
+      </p:sp>
+      <p:pic>
+        <p:nvPicPr>
+          <p:cNvPr id="14" name="Picture 13" descr="A picture containing food&#10;&#10;Description automatically generated">
+            <a:extLst>
+              <a:ext uri="{FF2B5EF4-FFF2-40B4-BE49-F238E27FC236}">
+                <a16:creationId xmlns:a16="http://schemas.microsoft.com/office/drawing/2014/main" id="{7CF878FE-6D05-425A-BFDB-FC31974241E0}"/>
+              </a:ext>
+            </a:extLst>
+          </p:cNvPr>
+          <p:cNvPicPr>
+            <a:picLocks noChangeAspect="1"/>
+          </p:cNvPicPr>
+          <p:nvPr/>
+        </p:nvPicPr>
+        <p:blipFill>
+          <a:blip r:embed="rId2">
+            <a:extLst>
+              <a:ext uri="{28A0092B-C50C-407E-A947-70E740481C1C}">
+                <a14:useLocalDpi xmlns:a14="http://schemas.microsoft.com/office/drawing/2010/main" val="0"/>
+              </a:ext>
+            </a:extLst>
+          </a:blip>
+          <a:stretch>
+            <a:fillRect/>
+          </a:stretch>
+        </p:blipFill>
+        <p:spPr>
+          <a:xfrm>
+            <a:off x="5860976" y="2343702"/>
+            <a:ext cx="2405765" cy="1603843"/>
+          </a:xfrm>
+          <a:prstGeom prst="rect">
+            <a:avLst/>
+          </a:prstGeom>
+        </p:spPr>
+      </p:pic>
+      <p:pic>
+        <p:nvPicPr>
+          <p:cNvPr id="16" name="Picture 15" descr="A close up of a logo&#10;&#10;Description automatically generated">
+            <a:extLst>
+              <a:ext uri="{FF2B5EF4-FFF2-40B4-BE49-F238E27FC236}">
+                <a16:creationId xmlns:a16="http://schemas.microsoft.com/office/drawing/2014/main" id="{E40D777D-7999-45BF-A36E-E8B178B405D9}"/>
+              </a:ext>
+            </a:extLst>
+          </p:cNvPr>
+          <p:cNvPicPr>
+            <a:picLocks noChangeAspect="1"/>
+          </p:cNvPicPr>
+          <p:nvPr/>
+        </p:nvPicPr>
+        <p:blipFill>
+          <a:blip r:embed="rId3">
+            <a:extLst>
+              <a:ext uri="{28A0092B-C50C-407E-A947-70E740481C1C}">
+                <a14:useLocalDpi xmlns:a14="http://schemas.microsoft.com/office/drawing/2010/main" val="0"/>
+              </a:ext>
+            </a:extLst>
+          </a:blip>
+          <a:stretch>
+            <a:fillRect/>
+          </a:stretch>
+        </p:blipFill>
+        <p:spPr>
+          <a:xfrm>
+            <a:off x="5860976" y="4552943"/>
+            <a:ext cx="2394593" cy="1596395"/>
+          </a:xfrm>
+          <a:prstGeom prst="rect">
+            <a:avLst/>
+          </a:prstGeom>
+        </p:spPr>
+      </p:pic>
+      <p:pic>
+        <p:nvPicPr>
+          <p:cNvPr id="18" name="Picture 17" descr="A close up of a hillside&#10;&#10;Description automatically generated">
+            <a:extLst>
+              <a:ext uri="{FF2B5EF4-FFF2-40B4-BE49-F238E27FC236}">
+                <a16:creationId xmlns:a16="http://schemas.microsoft.com/office/drawing/2014/main" id="{036A53E2-8658-428F-85CD-2D668FA343DF}"/>
+              </a:ext>
+            </a:extLst>
+          </p:cNvPr>
+          <p:cNvPicPr>
+            <a:picLocks noChangeAspect="1"/>
+          </p:cNvPicPr>
+          <p:nvPr/>
+        </p:nvPicPr>
+        <p:blipFill>
+          <a:blip r:embed="rId4">
+            <a:extLst>
+              <a:ext uri="{28A0092B-C50C-407E-A947-70E740481C1C}">
+                <a14:useLocalDpi xmlns:a14="http://schemas.microsoft.com/office/drawing/2010/main" val="0"/>
+              </a:ext>
+            </a:extLst>
+          </a:blip>
+          <a:stretch>
+            <a:fillRect/>
+          </a:stretch>
+        </p:blipFill>
+        <p:spPr>
+          <a:xfrm>
+            <a:off x="618775" y="2343704"/>
+            <a:ext cx="2405765" cy="1603843"/>
+          </a:xfrm>
+          <a:prstGeom prst="rect">
+            <a:avLst/>
+          </a:prstGeom>
+        </p:spPr>
+      </p:pic>
+      <p:pic>
+        <p:nvPicPr>
+          <p:cNvPr id="10" name="Picture 9" descr="A picture containing animal, star&#10;&#10;Description automatically generated">
+            <a:extLst>
+              <a:ext uri="{FF2B5EF4-FFF2-40B4-BE49-F238E27FC236}">
+                <a16:creationId xmlns:a16="http://schemas.microsoft.com/office/drawing/2014/main" id="{2F4EE930-8D81-4FCF-8943-7608AC8A2279}"/>
+              </a:ext>
+            </a:extLst>
+          </p:cNvPr>
+          <p:cNvPicPr>
+            <a:picLocks noChangeAspect="1"/>
+          </p:cNvPicPr>
+          <p:nvPr/>
+        </p:nvPicPr>
+        <p:blipFill>
+          <a:blip r:embed="rId5">
+            <a:alphaModFix/>
+            <a:extLst>
+              <a:ext uri="{28A0092B-C50C-407E-A947-70E740481C1C}">
+                <a14:useLocalDpi xmlns:a14="http://schemas.microsoft.com/office/drawing/2010/main" val="0"/>
+              </a:ext>
+            </a:extLst>
+          </a:blip>
+          <a:stretch>
+            <a:fillRect/>
+          </a:stretch>
+        </p:blipFill>
+        <p:spPr>
+          <a:xfrm>
+            <a:off x="3224167" y="3413464"/>
+            <a:ext cx="2405765" cy="1603843"/>
+          </a:xfrm>
+          <a:prstGeom prst="rect">
+            <a:avLst/>
+          </a:prstGeom>
+        </p:spPr>
+      </p:pic>
+      <p:pic>
+        <p:nvPicPr>
+          <p:cNvPr id="21" name="Picture 20" descr="A body of water&#10;&#10;Description automatically generated">
+            <a:extLst>
+              <a:ext uri="{FF2B5EF4-FFF2-40B4-BE49-F238E27FC236}">
+                <a16:creationId xmlns:a16="http://schemas.microsoft.com/office/drawing/2014/main" id="{6ADDA5E2-2152-41DA-9F5A-3871011C0DA9}"/>
+              </a:ext>
+            </a:extLst>
+          </p:cNvPr>
+          <p:cNvPicPr>
+            <a:picLocks noChangeAspect="1"/>
+          </p:cNvPicPr>
+          <p:nvPr/>
+        </p:nvPicPr>
+        <p:blipFill>
+          <a:blip r:embed="rId6">
+            <a:extLst>
+              <a:ext uri="{28A0092B-C50C-407E-A947-70E740481C1C}">
+                <a14:useLocalDpi xmlns:a14="http://schemas.microsoft.com/office/drawing/2010/main" val="0"/>
+              </a:ext>
+            </a:extLst>
+          </a:blip>
+          <a:stretch>
+            <a:fillRect/>
+          </a:stretch>
+        </p:blipFill>
+        <p:spPr>
+          <a:xfrm>
+            <a:off x="618775" y="4545497"/>
+            <a:ext cx="2405765" cy="1603843"/>
+          </a:xfrm>
+          <a:prstGeom prst="rect">
+            <a:avLst/>
+          </a:prstGeom>
+        </p:spPr>
+      </p:pic>
+      <p:sp>
+        <p:nvSpPr>
+          <p:cNvPr id="28" name="TextBox 27">
+            <a:extLst>
+              <a:ext uri="{FF2B5EF4-FFF2-40B4-BE49-F238E27FC236}">
+                <a16:creationId xmlns:a16="http://schemas.microsoft.com/office/drawing/2014/main" id="{C0877896-1552-453E-87CC-AA356AC4347F}"/>
+              </a:ext>
+            </a:extLst>
+          </p:cNvPr>
+          <p:cNvSpPr txBox="1"/>
+          <p:nvPr/>
+        </p:nvSpPr>
+        <p:spPr>
+          <a:xfrm>
+            <a:off x="8389398" y="2077375"/>
+            <a:ext cx="2766282" cy="2585323"/>
+          </a:xfrm>
+          <a:prstGeom prst="rect">
+            <a:avLst/>
+          </a:prstGeom>
+          <a:noFill/>
+        </p:spPr>
+        <p:txBody>
+          <a:bodyPr wrap="square" rtlCol="0">
+            <a:spAutoFit/>
+          </a:bodyPr>
+          <a:lstStyle/>
+          <a:p>
+            <a:r>
+              <a:rPr lang="en-CA" dirty="0"/>
+              <a:t>We can see that the human map tends to focus on the tree in the top right.</a:t>
+            </a:r>
+          </a:p>
+          <a:p>
+            <a:endParaRPr lang="en-CA" dirty="0"/>
+          </a:p>
+          <a:p>
+            <a:r>
+              <a:rPr lang="en-CA" dirty="0"/>
+              <a:t>Though not exactly the same, qualitatively both the VIS and IR have high saliency values around that same object shape.</a:t>
+            </a:r>
+          </a:p>
+        </p:txBody>
+      </p:sp>
+      <p:sp>
+        <p:nvSpPr>
+          <p:cNvPr id="30" name="TextBox 29">
+            <a:extLst>
+              <a:ext uri="{FF2B5EF4-FFF2-40B4-BE49-F238E27FC236}">
+                <a16:creationId xmlns:a16="http://schemas.microsoft.com/office/drawing/2014/main" id="{464E15D5-6D7D-4075-90C9-8C3DF5D5405B}"/>
+              </a:ext>
+            </a:extLst>
+          </p:cNvPr>
+          <p:cNvSpPr txBox="1"/>
+          <p:nvPr/>
+        </p:nvSpPr>
+        <p:spPr>
+          <a:xfrm>
+            <a:off x="1267618" y="1965978"/>
+            <a:ext cx="1108078" cy="369332"/>
+          </a:xfrm>
+          <a:prstGeom prst="rect">
+            <a:avLst/>
+          </a:prstGeom>
+          <a:noFill/>
+        </p:spPr>
+        <p:txBody>
+          <a:bodyPr wrap="square" rtlCol="0">
+            <a:spAutoFit/>
+          </a:bodyPr>
+          <a:lstStyle/>
+          <a:p>
+            <a:r>
+              <a:rPr lang="en-CA" dirty="0"/>
+              <a:t>VIS Image</a:t>
+            </a:r>
+          </a:p>
+        </p:txBody>
+      </p:sp>
+      <p:sp>
+        <p:nvSpPr>
+          <p:cNvPr id="31" name="TextBox 30">
+            <a:extLst>
+              <a:ext uri="{FF2B5EF4-FFF2-40B4-BE49-F238E27FC236}">
+                <a16:creationId xmlns:a16="http://schemas.microsoft.com/office/drawing/2014/main" id="{22BBEAB0-2F06-4402-9A1C-2A3B9F1E5509}"/>
+              </a:ext>
+            </a:extLst>
+          </p:cNvPr>
+          <p:cNvSpPr txBox="1"/>
+          <p:nvPr/>
+        </p:nvSpPr>
+        <p:spPr>
+          <a:xfrm>
+            <a:off x="1267618" y="4166669"/>
+            <a:ext cx="1108078" cy="369332"/>
+          </a:xfrm>
+          <a:prstGeom prst="rect">
+            <a:avLst/>
+          </a:prstGeom>
+          <a:noFill/>
+        </p:spPr>
+        <p:txBody>
+          <a:bodyPr wrap="square" rtlCol="0">
+            <a:spAutoFit/>
+          </a:bodyPr>
+          <a:lstStyle/>
+          <a:p>
+            <a:r>
+              <a:rPr lang="en-CA" dirty="0"/>
+              <a:t>IR Image</a:t>
+            </a:r>
+          </a:p>
+        </p:txBody>
+      </p:sp>
+      <p:sp>
+        <p:nvSpPr>
+          <p:cNvPr id="32" name="TextBox 31">
+            <a:extLst>
+              <a:ext uri="{FF2B5EF4-FFF2-40B4-BE49-F238E27FC236}">
+                <a16:creationId xmlns:a16="http://schemas.microsoft.com/office/drawing/2014/main" id="{D4930C6C-E883-4F76-95AD-2CC284D66F0F}"/>
+              </a:ext>
+            </a:extLst>
+          </p:cNvPr>
+          <p:cNvSpPr txBox="1"/>
+          <p:nvPr/>
+        </p:nvSpPr>
+        <p:spPr>
+          <a:xfrm>
+            <a:off x="3794397" y="2960957"/>
+            <a:ext cx="1373693" cy="369332"/>
+          </a:xfrm>
+          <a:prstGeom prst="rect">
+            <a:avLst/>
+          </a:prstGeom>
+          <a:noFill/>
+        </p:spPr>
+        <p:txBody>
+          <a:bodyPr wrap="square" rtlCol="0">
+            <a:spAutoFit/>
+          </a:bodyPr>
+          <a:lstStyle/>
+          <a:p>
+            <a:r>
+              <a:rPr lang="en-CA" dirty="0"/>
+              <a:t>Human Map</a:t>
+            </a:r>
+          </a:p>
+        </p:txBody>
+      </p:sp>
+      <p:sp>
+        <p:nvSpPr>
+          <p:cNvPr id="34" name="TextBox 33">
+            <a:extLst>
+              <a:ext uri="{FF2B5EF4-FFF2-40B4-BE49-F238E27FC236}">
+                <a16:creationId xmlns:a16="http://schemas.microsoft.com/office/drawing/2014/main" id="{D8ABE9C2-24AB-4175-9928-48FAB9D75C05}"/>
+              </a:ext>
+            </a:extLst>
+          </p:cNvPr>
+          <p:cNvSpPr txBox="1"/>
+          <p:nvPr/>
+        </p:nvSpPr>
+        <p:spPr>
+          <a:xfrm>
+            <a:off x="6366861" y="1965978"/>
+            <a:ext cx="1560898" cy="369332"/>
+          </a:xfrm>
+          <a:prstGeom prst="rect">
+            <a:avLst/>
+          </a:prstGeom>
+          <a:noFill/>
+        </p:spPr>
+        <p:txBody>
+          <a:bodyPr wrap="square" rtlCol="0">
+            <a:spAutoFit/>
+          </a:bodyPr>
+          <a:lstStyle/>
+          <a:p>
+            <a:r>
+              <a:rPr lang="en-CA" dirty="0"/>
+              <a:t>(DVA) VIS Sal</a:t>
+            </a:r>
+          </a:p>
+        </p:txBody>
+      </p:sp>
+      <p:sp>
+        <p:nvSpPr>
+          <p:cNvPr id="35" name="TextBox 34">
+            <a:extLst>
+              <a:ext uri="{FF2B5EF4-FFF2-40B4-BE49-F238E27FC236}">
+                <a16:creationId xmlns:a16="http://schemas.microsoft.com/office/drawing/2014/main" id="{B49BAA07-EC50-46A5-81C5-63A918E3C373}"/>
+              </a:ext>
+            </a:extLst>
+          </p:cNvPr>
+          <p:cNvSpPr txBox="1"/>
+          <p:nvPr/>
+        </p:nvSpPr>
+        <p:spPr>
+          <a:xfrm>
+            <a:off x="6277823" y="4166669"/>
+            <a:ext cx="1560898" cy="369332"/>
+          </a:xfrm>
+          <a:prstGeom prst="rect">
+            <a:avLst/>
+          </a:prstGeom>
+          <a:noFill/>
+        </p:spPr>
+        <p:txBody>
+          <a:bodyPr wrap="square" rtlCol="0">
+            <a:spAutoFit/>
+          </a:bodyPr>
+          <a:lstStyle/>
+          <a:p>
+            <a:r>
+              <a:rPr lang="en-CA" dirty="0"/>
+              <a:t>(DVA) IR Sal</a:t>
+            </a:r>
+          </a:p>
+        </p:txBody>
+      </p:sp>
+    </p:spTree>
+    <p:extLst>
+      <p:ext uri="{BB962C8B-B14F-4D97-AF65-F5344CB8AC3E}">
+        <p14:creationId xmlns:p14="http://schemas.microsoft.com/office/powerpoint/2010/main" val="682211222"/>
+      </p:ext>
+    </p:extLst>
+  </p:cSld>
+  <p:clrMapOvr>
+    <a:masterClrMapping/>
+  </p:clrMapOvr>
+</p:sld>
+</file>
+
+<file path=ppt/slides/slide14.xml><?xml version="1.0" encoding="utf-8"?>
+<p:sld xmlns:a="http://schemas.openxmlformats.org/drawingml/2006/main" xmlns:r="http://schemas.openxmlformats.org/officeDocument/2006/relationships" xmlns:p="http://schemas.openxmlformats.org/presentationml/2006/main">
+  <p:cSld>
+    <p:spTree>
+      <p:nvGrpSpPr>
+        <p:cNvPr id="1" name=""/>
+        <p:cNvGrpSpPr/>
+        <p:nvPr/>
+      </p:nvGrpSpPr>
+      <p:grpSpPr>
+        <a:xfrm>
+          <a:off x="0" y="0"/>
+          <a:ext cx="0" cy="0"/>
+          <a:chOff x="0" y="0"/>
+          <a:chExt cx="0" cy="0"/>
+        </a:xfrm>
+      </p:grpSpPr>
+      <p:sp>
+        <p:nvSpPr>
+          <p:cNvPr id="2" name="Title 1">
+            <a:extLst>
+              <a:ext uri="{FF2B5EF4-FFF2-40B4-BE49-F238E27FC236}">
+                <a16:creationId xmlns:a16="http://schemas.microsoft.com/office/drawing/2014/main" id="{DC52A594-90C7-475A-B944-EF3A1CDAD2F2}"/>
+              </a:ext>
+            </a:extLst>
+          </p:cNvPr>
+          <p:cNvSpPr>
+            <a:spLocks noGrp="1"/>
+          </p:cNvSpPr>
+          <p:nvPr>
+            <p:ph type="title"/>
+          </p:nvPr>
+        </p:nvSpPr>
+        <p:spPr/>
+        <p:txBody>
+          <a:bodyPr/>
+          <a:lstStyle/>
+          <a:p>
+            <a:r>
+              <a:rPr lang="en-CA" dirty="0"/>
+              <a:t>Questions?</a:t>
+            </a:r>
+          </a:p>
+        </p:txBody>
+      </p:sp>
+      <p:sp>
+        <p:nvSpPr>
+          <p:cNvPr id="3" name="Content Placeholder 2">
+            <a:extLst>
+              <a:ext uri="{FF2B5EF4-FFF2-40B4-BE49-F238E27FC236}">
+                <a16:creationId xmlns:a16="http://schemas.microsoft.com/office/drawing/2014/main" id="{661B91A3-E834-4993-82F4-4C9B283463B7}"/>
+              </a:ext>
+            </a:extLst>
+          </p:cNvPr>
+          <p:cNvSpPr>
+            <a:spLocks noGrp="1"/>
+          </p:cNvSpPr>
+          <p:nvPr>
+            <p:ph idx="1"/>
+          </p:nvPr>
+        </p:nvSpPr>
+        <p:spPr/>
+        <p:txBody>
+          <a:bodyPr/>
+          <a:lstStyle/>
+          <a:p>
+            <a:endParaRPr lang="en-CA" dirty="0"/>
+          </a:p>
+        </p:txBody>
+      </p:sp>
+    </p:spTree>
+    <p:extLst>
+      <p:ext uri="{BB962C8B-B14F-4D97-AF65-F5344CB8AC3E}">
+        <p14:creationId xmlns:p14="http://schemas.microsoft.com/office/powerpoint/2010/main" val="223674589"/>
+      </p:ext>
+    </p:extLst>
+  </p:cSld>
+  <p:clrMapOvr>
+    <a:masterClrMapping/>
+  </p:clrMapOvr>
+</p:sld>
+</file>
+
+<file path=ppt/slides/slide15.xml><?xml version="1.0" encoding="utf-8"?>
+<p:sld xmlns:a="http://schemas.openxmlformats.org/drawingml/2006/main" xmlns:r="http://schemas.openxmlformats.org/officeDocument/2006/relationships" xmlns:p="http://schemas.openxmlformats.org/presentationml/2006/main">
+  <p:cSld>
+    <p:spTree>
+      <p:nvGrpSpPr>
+        <p:cNvPr id="1" name=""/>
+        <p:cNvGrpSpPr/>
+        <p:nvPr/>
+      </p:nvGrpSpPr>
+      <p:grpSpPr>
+        <a:xfrm>
+          <a:off x="0" y="0"/>
+          <a:ext cx="0" cy="0"/>
+          <a:chOff x="0" y="0"/>
+          <a:chExt cx="0" cy="0"/>
+        </a:xfrm>
+      </p:grpSpPr>
+      <p:sp>
+        <p:nvSpPr>
+          <p:cNvPr id="2" name="Title 1">
+            <a:extLst>
+              <a:ext uri="{FF2B5EF4-FFF2-40B4-BE49-F238E27FC236}">
+                <a16:creationId xmlns:a16="http://schemas.microsoft.com/office/drawing/2014/main" id="{A4678744-404B-4463-9341-E2F550745F54}"/>
+              </a:ext>
+            </a:extLst>
+          </p:cNvPr>
+          <p:cNvSpPr>
+            <a:spLocks noGrp="1"/>
+          </p:cNvSpPr>
+          <p:nvPr>
+            <p:ph type="title"/>
+          </p:nvPr>
+        </p:nvSpPr>
+        <p:spPr/>
+        <p:txBody>
+          <a:bodyPr/>
+          <a:lstStyle/>
+          <a:p>
+            <a:r>
+              <a:rPr lang="en-CA" dirty="0"/>
+              <a:t>Sources</a:t>
+            </a:r>
+          </a:p>
+        </p:txBody>
+      </p:sp>
+      <p:sp>
+        <p:nvSpPr>
+          <p:cNvPr id="3" name="Content Placeholder 2">
+            <a:extLst>
+              <a:ext uri="{FF2B5EF4-FFF2-40B4-BE49-F238E27FC236}">
+                <a16:creationId xmlns:a16="http://schemas.microsoft.com/office/drawing/2014/main" id="{C126618E-EF69-48B7-8BFB-FDC0B96C7969}"/>
+              </a:ext>
+            </a:extLst>
+          </p:cNvPr>
+          <p:cNvSpPr>
+            <a:spLocks noGrp="1"/>
+          </p:cNvSpPr>
+          <p:nvPr>
+            <p:ph idx="1"/>
+          </p:nvPr>
+        </p:nvSpPr>
+        <p:spPr/>
+        <p:txBody>
+          <a:bodyPr/>
+          <a:lstStyle/>
+          <a:p>
+            <a:r>
+              <a:rPr lang="en-CA" dirty="0"/>
+              <a:t>[1] - </a:t>
+            </a:r>
+            <a:r>
+              <a:rPr lang="en-CA" dirty="0">
+                <a:hlinkClick r:id="rId2"/>
+              </a:rPr>
+              <a:t>https://en.wikipedia.org/wiki/Visible_light_communication#/media/File:EM_spectrum.svg</a:t>
+            </a:r>
+            <a:endParaRPr lang="en-CA" dirty="0"/>
+          </a:p>
+          <a:p>
+            <a:r>
+              <a:rPr lang="en-CA" dirty="0"/>
+              <a:t>[2] - </a:t>
+            </a:r>
+            <a:r>
+              <a:rPr lang="en-US" i="1" dirty="0"/>
+              <a:t>IR Saliency Detection via a GCF-SB Visual Attention Framework</a:t>
+            </a:r>
+            <a:r>
+              <a:rPr lang="en-US" dirty="0"/>
+              <a:t>, Zhao et.al </a:t>
+            </a:r>
+          </a:p>
+          <a:p>
+            <a:r>
+              <a:rPr lang="en-US" dirty="0"/>
+              <a:t>[3] – </a:t>
+            </a:r>
+            <a:r>
+              <a:rPr lang="en-US" i="1" dirty="0"/>
+              <a:t>SMILER: Saliency Model Implementation Library for Experimental Research</a:t>
+            </a:r>
+            <a:r>
+              <a:rPr lang="en-US" dirty="0"/>
+              <a:t>, C. </a:t>
+            </a:r>
+            <a:r>
+              <a:rPr lang="en-US" dirty="0" err="1"/>
+              <a:t>Wloka</a:t>
+            </a:r>
+            <a:r>
+              <a:rPr lang="en-US" dirty="0"/>
+              <a:t>, T. </a:t>
+            </a:r>
+            <a:r>
+              <a:rPr lang="en-US" dirty="0" err="1"/>
+              <a:t>Kunic</a:t>
+            </a:r>
+            <a:r>
+              <a:rPr lang="en-US" dirty="0"/>
+              <a:t>, I. </a:t>
+            </a:r>
+            <a:r>
+              <a:rPr lang="en-US" dirty="0" err="1"/>
+              <a:t>Kotseruba</a:t>
+            </a:r>
+            <a:r>
+              <a:rPr lang="en-US" dirty="0"/>
+              <a:t>, R. </a:t>
+            </a:r>
+            <a:r>
+              <a:rPr lang="en-US" dirty="0" err="1"/>
+              <a:t>Fahimi</a:t>
+            </a:r>
+            <a:r>
+              <a:rPr lang="en-US" dirty="0"/>
+              <a:t>, N. </a:t>
+            </a:r>
+            <a:r>
+              <a:rPr lang="en-US" dirty="0" err="1"/>
+              <a:t>Frosst</a:t>
+            </a:r>
+            <a:r>
+              <a:rPr lang="en-US" dirty="0"/>
+              <a:t>, N. Bruce, J. </a:t>
+            </a:r>
+            <a:r>
+              <a:rPr lang="en-US" dirty="0" err="1"/>
+              <a:t>Tsotsos</a:t>
+            </a:r>
+            <a:r>
+              <a:rPr lang="en-US" dirty="0"/>
+              <a:t> (York University, University of Manitoba, Google Brain Toronto, Ryerson University), (2018)</a:t>
+            </a:r>
+          </a:p>
+          <a:p>
+            <a:r>
+              <a:rPr lang="en-US" dirty="0"/>
+              <a:t>[4] – Visible Infrared Database, SMT/COPPE/</a:t>
+            </a:r>
+            <a:r>
+              <a:rPr lang="en-US" dirty="0" err="1"/>
+              <a:t>Poli</a:t>
+            </a:r>
+            <a:r>
+              <a:rPr lang="en-US"/>
+              <a:t>/UFRJ and IME</a:t>
+            </a:r>
+          </a:p>
+          <a:p>
+            <a:endParaRPr lang="en-US" dirty="0"/>
+          </a:p>
+          <a:p>
+            <a:endParaRPr lang="en-CA" dirty="0"/>
+          </a:p>
+        </p:txBody>
+      </p:sp>
+    </p:spTree>
+    <p:extLst>
+      <p:ext uri="{BB962C8B-B14F-4D97-AF65-F5344CB8AC3E}">
+        <p14:creationId xmlns:p14="http://schemas.microsoft.com/office/powerpoint/2010/main" val="2134806046"/>
+      </p:ext>
+    </p:extLst>
+  </p:cSld>
+  <p:clrMapOvr>
+    <a:masterClrMapping/>
+  </p:clrMapOvr>
+</p:sld>
+</file>
+
+<file path=ppt/slides/slide2.xml><?xml version="1.0" encoding="utf-8"?>
+<p:sld xmlns:a="http://schemas.openxmlformats.org/drawingml/2006/main" xmlns:r="http://schemas.openxmlformats.org/officeDocument/2006/relationships" xmlns:p="http://schemas.openxmlformats.org/presentationml/2006/main">
+  <p:cSld>
+    <p:bg>
+      <p:bgPr>
+        <a:solidFill>
+          <a:schemeClr val="bg1"/>
+        </a:solidFill>
+        <a:effectLst/>
+      </p:bgPr>
+    </p:bg>
+    <p:spTree>
+      <p:nvGrpSpPr>
+        <p:cNvPr id="1" name=""/>
+        <p:cNvGrpSpPr/>
+        <p:nvPr/>
+      </p:nvGrpSpPr>
+      <p:grpSpPr>
+        <a:xfrm>
+          <a:off x="0" y="0"/>
+          <a:ext cx="0" cy="0"/>
+          <a:chOff x="0" y="0"/>
+          <a:chExt cx="0" cy="0"/>
+        </a:xfrm>
+      </p:grpSpPr>
+      <p:sp useBgFill="1">
+        <p:nvSpPr>
+          <p:cNvPr id="10" name="Rectangle 9">
+            <a:extLst>
+              <a:ext uri="{FF2B5EF4-FFF2-40B4-BE49-F238E27FC236}">
+                <a16:creationId xmlns:a16="http://schemas.microsoft.com/office/drawing/2014/main" id="{52ABB703-2B0E-4C3B-B4A2-F3973548E561}"/>
+              </a:ext>
+              <a:ext uri="{C183D7F6-B498-43B3-948B-1728B52AA6E4}">
+                <adec:decorative xmlns:adec="http://schemas.microsoft.com/office/drawing/2017/decorative" val="1"/>
+              </a:ext>
+            </a:extLst>
+          </p:cNvPr>
+          <p:cNvSpPr>
+            <a:spLocks noGrp="1" noRot="1" noChangeAspect="1" noMove="1" noResize="1" noEditPoints="1" noAdjustHandles="1" noChangeArrowheads="1" noChangeShapeType="1" noTextEdit="1"/>
+          </p:cNvSpPr>
+          <p:nvPr>
+            <p:extLst>
+              <p:ext uri="{386F3935-93C4-4BCD-93E2-E3B085C9AB24}">
+                <p16:designElem xmlns:p16="http://schemas.microsoft.com/office/powerpoint/2015/main" val="1"/>
+              </p:ext>
+            </p:extLst>
+          </p:nvPr>
+        </p:nvSpPr>
+        <p:spPr>
+          <a:xfrm>
+            <a:off x="0" y="0"/>
+            <a:ext cx="12192001" cy="6334316"/>
+          </a:xfrm>
+          <a:prstGeom prst="rect">
+            <a:avLst/>
+          </a:prstGeom>
+          <a:ln>
+            <a:noFill/>
+          </a:ln>
+        </p:spPr>
+        <p:style>
+          <a:lnRef idx="2">
+            <a:schemeClr val="accent1">
+              <a:shade val="50000"/>
+            </a:schemeClr>
+          </a:lnRef>
+          <a:fillRef idx="1">
+            <a:schemeClr val="accent1"/>
+          </a:fillRef>
+          <a:effectRef idx="0">
+            <a:schemeClr val="accent1"/>
+          </a:effectRef>
+          <a:fontRef idx="minor">
+            <a:schemeClr val="lt1"/>
+          </a:fontRef>
+        </p:style>
+        <p:txBody>
+          <a:bodyPr rtlCol="0" anchor="ctr"/>
+          <a:lstStyle/>
+          <a:p>
+            <a:pPr algn="ctr"/>
+            <a:endParaRPr lang="en-US"/>
+          </a:p>
+        </p:txBody>
+      </p:sp>
+      <p:sp>
+        <p:nvSpPr>
+          <p:cNvPr id="2" name="Title 1">
+            <a:extLst>
+              <a:ext uri="{FF2B5EF4-FFF2-40B4-BE49-F238E27FC236}">
+                <a16:creationId xmlns:a16="http://schemas.microsoft.com/office/drawing/2014/main" id="{5E756566-D1B3-4762-A285-13067C2B0D1E}"/>
+              </a:ext>
+            </a:extLst>
+          </p:cNvPr>
+          <p:cNvSpPr>
+            <a:spLocks noGrp="1"/>
+          </p:cNvSpPr>
+          <p:nvPr>
+            <p:ph type="title"/>
+          </p:nvPr>
+        </p:nvSpPr>
+        <p:spPr>
+          <a:xfrm>
+            <a:off x="6411685" y="634946"/>
+            <a:ext cx="5127171" cy="1450757"/>
+          </a:xfrm>
+        </p:spPr>
+        <p:txBody>
+          <a:bodyPr>
+            <a:normAutofit/>
+          </a:bodyPr>
+          <a:lstStyle/>
+          <a:p>
+            <a:r>
+              <a:rPr lang="en-CA" dirty="0"/>
+              <a:t>Motivation</a:t>
+            </a:r>
+          </a:p>
+        </p:txBody>
+      </p:sp>
+      <p:pic>
+        <p:nvPicPr>
+          <p:cNvPr id="5" name="Picture 4" descr="A screenshot of a cell phone&#10;&#10;Description automatically generated">
+            <a:extLst>
+              <a:ext uri="{FF2B5EF4-FFF2-40B4-BE49-F238E27FC236}">
+                <a16:creationId xmlns:a16="http://schemas.microsoft.com/office/drawing/2014/main" id="{6DA41683-6B01-4688-8A27-567961F6E2A0}"/>
+              </a:ext>
+            </a:extLst>
+          </p:cNvPr>
+          <p:cNvPicPr>
+            <a:picLocks noChangeAspect="1"/>
+          </p:cNvPicPr>
+          <p:nvPr/>
+        </p:nvPicPr>
+        <p:blipFill>
+          <a:blip r:embed="rId2">
+            <a:extLst>
+              <a:ext uri="{28A0092B-C50C-407E-A947-70E740481C1C}">
+                <a14:useLocalDpi xmlns:a14="http://schemas.microsoft.com/office/drawing/2010/main" val="0"/>
+              </a:ext>
+            </a:extLst>
+          </a:blip>
+          <a:stretch>
+            <a:fillRect/>
+          </a:stretch>
+        </p:blipFill>
+        <p:spPr>
+          <a:xfrm>
+            <a:off x="643192" y="1810669"/>
+            <a:ext cx="5451627" cy="2916620"/>
+          </a:xfrm>
+          <a:prstGeom prst="rect">
+            <a:avLst/>
+          </a:prstGeom>
+        </p:spPr>
+      </p:pic>
+      <p:cxnSp>
+        <p:nvCxnSpPr>
+          <p:cNvPr id="12" name="Straight Connector 11">
+            <a:extLst>
+              <a:ext uri="{FF2B5EF4-FFF2-40B4-BE49-F238E27FC236}">
+                <a16:creationId xmlns:a16="http://schemas.microsoft.com/office/drawing/2014/main" id="{9C21570E-E159-49A6-9891-FA397B7A92D3}"/>
+              </a:ext>
+              <a:ext uri="{C183D7F6-B498-43B3-948B-1728B52AA6E4}">
+                <adec:decorative xmlns:adec="http://schemas.microsoft.com/office/drawing/2017/decorative" val="1"/>
+              </a:ext>
+            </a:extLst>
+          </p:cNvPr>
+          <p:cNvCxnSpPr>
+            <a:cxnSpLocks noGrp="1" noRot="1" noChangeAspect="1" noMove="1" noResize="1" noEditPoints="1" noAdjustHandles="1" noChangeArrowheads="1" noChangeShapeType="1"/>
+          </p:cNvCxnSpPr>
+          <p:nvPr>
+            <p:extLst>
+              <p:ext uri="{386F3935-93C4-4BCD-93E2-E3B085C9AB24}">
+                <p16:designElem xmlns:p16="http://schemas.microsoft.com/office/powerpoint/2015/main" val="1"/>
+              </p:ext>
+            </p:extLst>
+          </p:nvPr>
+        </p:nvCxnSpPr>
+        <p:spPr>
+          <a:xfrm>
+            <a:off x="6411684" y="2086188"/>
+            <a:ext cx="4748808" cy="0"/>
+          </a:xfrm>
+          <a:prstGeom prst="line">
+            <a:avLst/>
+          </a:prstGeom>
+          <a:ln w="6350">
+            <a:solidFill>
+              <a:schemeClr val="tx1">
+                <a:lumMod val="50000"/>
+                <a:lumOff val="50000"/>
+                <a:alpha val="90000"/>
+              </a:schemeClr>
+            </a:solidFill>
+          </a:ln>
+        </p:spPr>
+        <p:style>
+          <a:lnRef idx="1">
+            <a:schemeClr val="accent1"/>
+          </a:lnRef>
+          <a:fillRef idx="0">
+            <a:schemeClr val="accent1"/>
+          </a:fillRef>
+          <a:effectRef idx="0">
+            <a:schemeClr val="accent1"/>
+          </a:effectRef>
+          <a:fontRef idx="minor">
+            <a:schemeClr val="tx1"/>
+          </a:fontRef>
+        </p:style>
+      </p:cxnSp>
+      <p:sp>
+        <p:nvSpPr>
+          <p:cNvPr id="3" name="Content Placeholder 2">
+            <a:extLst>
+              <a:ext uri="{FF2B5EF4-FFF2-40B4-BE49-F238E27FC236}">
+                <a16:creationId xmlns:a16="http://schemas.microsoft.com/office/drawing/2014/main" id="{C6F6CC7B-4EFB-4CF4-8235-02C958BB9C0B}"/>
+              </a:ext>
+            </a:extLst>
+          </p:cNvPr>
+          <p:cNvSpPr>
+            <a:spLocks noGrp="1"/>
+          </p:cNvSpPr>
+          <p:nvPr>
+            <p:ph idx="1"/>
+          </p:nvPr>
+        </p:nvSpPr>
+        <p:spPr>
+          <a:xfrm>
+            <a:off x="6411684" y="2198914"/>
+            <a:ext cx="5127172" cy="3670180"/>
+          </a:xfrm>
+        </p:spPr>
+        <p:txBody>
+          <a:bodyPr>
+            <a:normAutofit/>
+          </a:bodyPr>
+          <a:lstStyle/>
+          <a:p>
+            <a:r>
+              <a:rPr lang="en-CA" dirty="0"/>
+              <a:t>Humans see light on the visible spectrum, which is wavelengths from about 300nm to 700nm. Typically cameras only record light in this spectrum range</a:t>
+            </a:r>
+          </a:p>
+          <a:p>
+            <a:r>
+              <a:rPr lang="en-CA" dirty="0"/>
+              <a:t>But we are able to record intensities of other wavelengths of light. IR cameras are able to see the light emitted by thermal radiation from objects.</a:t>
+            </a:r>
+          </a:p>
+          <a:p>
+            <a:r>
+              <a:rPr lang="en-CA" dirty="0"/>
+              <a:t>Things that emit noticeable thermal radiation tend to be things which humans find important. Vehicles, electronics, animals, other humans etc.</a:t>
+            </a:r>
+          </a:p>
+        </p:txBody>
+      </p:sp>
+      <p:sp>
+        <p:nvSpPr>
+          <p:cNvPr id="14" name="Rectangle 13">
+            <a:extLst>
+              <a:ext uri="{FF2B5EF4-FFF2-40B4-BE49-F238E27FC236}">
+                <a16:creationId xmlns:a16="http://schemas.microsoft.com/office/drawing/2014/main" id="{E95DA498-D9A2-4DA9-B9DA-B3776E08CF7E}"/>
+              </a:ext>
+              <a:ext uri="{C183D7F6-B498-43B3-948B-1728B52AA6E4}">
+                <adec:decorative xmlns:adec="http://schemas.microsoft.com/office/drawing/2017/decorative" val="1"/>
+              </a:ext>
+            </a:extLst>
+          </p:cNvPr>
+          <p:cNvSpPr>
+            <a:spLocks noGrp="1" noRot="1" noChangeAspect="1" noMove="1" noResize="1" noEditPoints="1" noAdjustHandles="1" noChangeArrowheads="1" noChangeShapeType="1" noTextEdit="1"/>
+          </p:cNvSpPr>
+          <p:nvPr>
+            <p:extLst>
+              <p:ext uri="{386F3935-93C4-4BCD-93E2-E3B085C9AB24}">
+                <p16:designElem xmlns:p16="http://schemas.microsoft.com/office/powerpoint/2015/main" val="1"/>
+              </p:ext>
+            </p:extLst>
+          </p:nvPr>
+        </p:nvSpPr>
+        <p:spPr>
+          <a:xfrm>
+            <a:off x="15" y="6334316"/>
+            <a:ext cx="12191985" cy="66484"/>
+          </a:xfrm>
+          <a:prstGeom prst="rect">
+            <a:avLst/>
+          </a:prstGeom>
+          <a:solidFill>
+            <a:schemeClr val="accent1"/>
+          </a:solidFill>
+          <a:ln>
+            <a:noFill/>
+          </a:ln>
+        </p:spPr>
+        <p:style>
+          <a:lnRef idx="2">
+            <a:schemeClr val="accent1">
+              <a:shade val="50000"/>
+            </a:schemeClr>
+          </a:lnRef>
+          <a:fillRef idx="1">
+            <a:schemeClr val="accent1"/>
+          </a:fillRef>
+          <a:effectRef idx="0">
+            <a:schemeClr val="accent1"/>
+          </a:effectRef>
+          <a:fontRef idx="minor">
+            <a:schemeClr val="lt1"/>
+          </a:fontRef>
+        </p:style>
+      </p:sp>
+      <p:sp>
+        <p:nvSpPr>
+          <p:cNvPr id="16" name="Rectangle 15">
+            <a:extLst>
+              <a:ext uri="{FF2B5EF4-FFF2-40B4-BE49-F238E27FC236}">
+                <a16:creationId xmlns:a16="http://schemas.microsoft.com/office/drawing/2014/main" id="{82A73093-4B9D-420D-B17E-52293703A1D4}"/>
+              </a:ext>
+              <a:ext uri="{C183D7F6-B498-43B3-948B-1728B52AA6E4}">
+                <adec:decorative xmlns:adec="http://schemas.microsoft.com/office/drawing/2017/decorative" val="1"/>
+              </a:ext>
+            </a:extLst>
+          </p:cNvPr>
+          <p:cNvSpPr>
+            <a:spLocks noGrp="1" noRot="1" noChangeAspect="1" noMove="1" noResize="1" noEditPoints="1" noAdjustHandles="1" noChangeArrowheads="1" noChangeShapeType="1" noTextEdit="1"/>
+          </p:cNvSpPr>
+          <p:nvPr>
+            <p:extLst>
+              <p:ext uri="{386F3935-93C4-4BCD-93E2-E3B085C9AB24}">
+                <p16:designElem xmlns:p16="http://schemas.microsoft.com/office/powerpoint/2015/main" val="1"/>
+              </p:ext>
+            </p:extLst>
+          </p:nvPr>
+        </p:nvSpPr>
+        <p:spPr>
+          <a:xfrm>
+            <a:off x="1" y="6400800"/>
+            <a:ext cx="12192000" cy="457200"/>
+          </a:xfrm>
+          <a:prstGeom prst="rect">
+            <a:avLst/>
+          </a:prstGeom>
+          <a:solidFill>
+            <a:schemeClr val="accent2"/>
+          </a:solidFill>
+          <a:ln>
+            <a:noFill/>
+          </a:ln>
+        </p:spPr>
+        <p:style>
+          <a:lnRef idx="2">
+            <a:schemeClr val="accent1">
+              <a:shade val="50000"/>
+            </a:schemeClr>
+          </a:lnRef>
+          <a:fillRef idx="1">
+            <a:schemeClr val="accent1"/>
+          </a:fillRef>
+          <a:effectRef idx="0">
+            <a:schemeClr val="accent1"/>
+          </a:effectRef>
+          <a:fontRef idx="minor">
+            <a:schemeClr val="lt1"/>
+          </a:fontRef>
+        </p:style>
+      </p:sp>
+    </p:spTree>
+    <p:extLst>
+      <p:ext uri="{BB962C8B-B14F-4D97-AF65-F5344CB8AC3E}">
+        <p14:creationId xmlns:p14="http://schemas.microsoft.com/office/powerpoint/2010/main" val="1432105997"/>
       </p:ext>
     </p:extLst>
   </p:cSld>
@@ -3967,12 +6392,190 @@
           <a:chExt cx="0" cy="0"/>
         </a:xfrm>
       </p:grpSpPr>
+      <p:sp>
+        <p:nvSpPr>
+          <p:cNvPr id="2" name="Title 1">
+            <a:extLst>
+              <a:ext uri="{FF2B5EF4-FFF2-40B4-BE49-F238E27FC236}">
+                <a16:creationId xmlns:a16="http://schemas.microsoft.com/office/drawing/2014/main" id="{4E21BA14-BB6B-4E83-969D-37DECE64ACE4}"/>
+              </a:ext>
+            </a:extLst>
+          </p:cNvPr>
+          <p:cNvSpPr>
+            <a:spLocks noGrp="1"/>
+          </p:cNvSpPr>
+          <p:nvPr>
+            <p:ph type="title"/>
+          </p:nvPr>
+        </p:nvSpPr>
+        <p:spPr/>
+        <p:txBody>
+          <a:bodyPr/>
+          <a:lstStyle/>
+          <a:p>
+            <a:r>
+              <a:rPr lang="en-CA" dirty="0"/>
+              <a:t>Why care about IR?</a:t>
+            </a:r>
+          </a:p>
+        </p:txBody>
+      </p:sp>
+      <p:sp>
+        <p:nvSpPr>
+          <p:cNvPr id="3" name="Content Placeholder 2">
+            <a:extLst>
+              <a:ext uri="{FF2B5EF4-FFF2-40B4-BE49-F238E27FC236}">
+                <a16:creationId xmlns:a16="http://schemas.microsoft.com/office/drawing/2014/main" id="{2AEE53A3-4934-40CA-A40F-887901EA8A3C}"/>
+              </a:ext>
+            </a:extLst>
+          </p:cNvPr>
+          <p:cNvSpPr>
+            <a:spLocks noGrp="1"/>
+          </p:cNvSpPr>
+          <p:nvPr>
+            <p:ph idx="1"/>
+          </p:nvPr>
+        </p:nvSpPr>
+        <p:spPr/>
+        <p:txBody>
+          <a:bodyPr/>
+          <a:lstStyle/>
+          <a:p>
+            <a:r>
+              <a:rPr lang="en-CA" dirty="0"/>
+              <a:t>In situations where there is no visible light, there is almost always a usable abundance of IR light</a:t>
+            </a:r>
+          </a:p>
+          <a:p>
+            <a:r>
+              <a:rPr lang="en-CA" dirty="0"/>
+              <a:t>Using IR images for computer vision opens up a large array of applications where there is not enough visible light.</a:t>
+            </a:r>
+          </a:p>
+          <a:p>
+            <a:r>
+              <a:rPr lang="en-CA" dirty="0"/>
+              <a:t>You may have noticed that a large portion of the day on earth is entirely devoid of light. (Night)</a:t>
+            </a:r>
+          </a:p>
+        </p:txBody>
+      </p:sp>
+    </p:spTree>
+    <p:extLst>
+      <p:ext uri="{BB962C8B-B14F-4D97-AF65-F5344CB8AC3E}">
+        <p14:creationId xmlns:p14="http://schemas.microsoft.com/office/powerpoint/2010/main" val="765843620"/>
+      </p:ext>
+    </p:extLst>
+  </p:cSld>
+  <p:clrMapOvr>
+    <a:masterClrMapping/>
+  </p:clrMapOvr>
+</p:sld>
+</file>
+
+<file path=ppt/slides/slide4.xml><?xml version="1.0" encoding="utf-8"?>
+<p:sld xmlns:a="http://schemas.openxmlformats.org/drawingml/2006/main" xmlns:r="http://schemas.openxmlformats.org/officeDocument/2006/relationships" xmlns:p="http://schemas.openxmlformats.org/presentationml/2006/main">
+  <p:cSld>
+    <p:spTree>
+      <p:nvGrpSpPr>
+        <p:cNvPr id="1" name=""/>
+        <p:cNvGrpSpPr/>
+        <p:nvPr/>
+      </p:nvGrpSpPr>
+      <p:grpSpPr>
+        <a:xfrm>
+          <a:off x="0" y="0"/>
+          <a:ext cx="0" cy="0"/>
+          <a:chOff x="0" y="0"/>
+          <a:chExt cx="0" cy="0"/>
+        </a:xfrm>
+      </p:grpSpPr>
+      <p:sp>
+        <p:nvSpPr>
+          <p:cNvPr id="2" name="Title 1">
+            <a:extLst>
+              <a:ext uri="{FF2B5EF4-FFF2-40B4-BE49-F238E27FC236}">
+                <a16:creationId xmlns:a16="http://schemas.microsoft.com/office/drawing/2014/main" id="{CEC5E6BF-BCAA-44B9-892D-65C4F6A3E989}"/>
+              </a:ext>
+            </a:extLst>
+          </p:cNvPr>
+          <p:cNvSpPr>
+            <a:spLocks noGrp="1"/>
+          </p:cNvSpPr>
+          <p:nvPr>
+            <p:ph type="title"/>
+          </p:nvPr>
+        </p:nvSpPr>
+        <p:spPr/>
+        <p:txBody>
+          <a:bodyPr/>
+          <a:lstStyle/>
+          <a:p>
+            <a:r>
+              <a:rPr lang="en-CA" dirty="0"/>
+              <a:t>Saliency</a:t>
+            </a:r>
+          </a:p>
+        </p:txBody>
+      </p:sp>
+      <p:sp>
+        <p:nvSpPr>
+          <p:cNvPr id="3" name="Content Placeholder 2">
+            <a:extLst>
+              <a:ext uri="{FF2B5EF4-FFF2-40B4-BE49-F238E27FC236}">
+                <a16:creationId xmlns:a16="http://schemas.microsoft.com/office/drawing/2014/main" id="{29EB49C5-2E7B-4D0D-9409-AE245EDA0506}"/>
+              </a:ext>
+            </a:extLst>
+          </p:cNvPr>
+          <p:cNvSpPr>
+            <a:spLocks noGrp="1"/>
+          </p:cNvSpPr>
+          <p:nvPr>
+            <p:ph idx="1"/>
+          </p:nvPr>
+        </p:nvSpPr>
+        <p:spPr/>
+        <p:txBody>
+          <a:bodyPr/>
+          <a:lstStyle/>
+          <a:p>
+            <a:r>
+              <a:rPr lang="en-CA" dirty="0"/>
+              <a:t>Saliency models aim to segment images with the goal to adapt the information in an image to show what is interesting or important</a:t>
+            </a:r>
+          </a:p>
+          <a:p>
+            <a:r>
+              <a:rPr lang="en-CA" dirty="0"/>
+              <a:t>Almost all saliency models are designed/trained with visual images in mind. In fact I can only find 1 paper which aims to design a model specifically for use with IR images.</a:t>
+            </a:r>
+          </a:p>
+          <a:p>
+            <a:r>
+              <a:rPr lang="en-CA" dirty="0"/>
+              <a:t>(</a:t>
+            </a:r>
+            <a:r>
+              <a:rPr lang="en-US" i="1" dirty="0"/>
+              <a:t>IR Saliency Detection via a GCF-SB Visual Attention Framework, Zhao et. Al.</a:t>
+            </a:r>
+            <a:r>
+              <a:rPr lang="en-CA" dirty="0"/>
+              <a:t>)</a:t>
+            </a:r>
+          </a:p>
+          <a:p>
+            <a:pPr lvl="1"/>
+            <a:endParaRPr lang="en-CA" dirty="0"/>
+          </a:p>
+        </p:txBody>
+      </p:sp>
       <p:pic>
         <p:nvPicPr>
-          <p:cNvPr id="2" name="Content Placeholder 4" descr="A picture containing sitting, monitor, blue, dark&#10;&#10;Description automatically generated">
-            <a:extLst>
-              <a:ext uri="{FF2B5EF4-FFF2-40B4-BE49-F238E27FC236}">
-                <a16:creationId xmlns:a16="http://schemas.microsoft.com/office/drawing/2014/main" id="{5272D7CC-A2D9-4AC4-A1F1-DB6DB879718E}"/>
+          <p:cNvPr id="5" name="Picture 4" descr="A picture containing outdoor, road, mountain, plane&#10;&#10;Description automatically generated">
+            <a:extLst>
+              <a:ext uri="{FF2B5EF4-FFF2-40B4-BE49-F238E27FC236}">
+                <a16:creationId xmlns:a16="http://schemas.microsoft.com/office/drawing/2014/main" id="{B3823CCB-AB32-49C3-86A9-959BB5F8B5AB}"/>
               </a:ext>
             </a:extLst>
           </p:cNvPr>
@@ -3995,8 +6598,8 @@
         </p:blipFill>
         <p:spPr>
           <a:xfrm>
-            <a:off x="1773928" y="4902779"/>
-            <a:ext cx="1865031" cy="1243355"/>
+            <a:off x="1097280" y="3964613"/>
+            <a:ext cx="2856722" cy="1904481"/>
           </a:xfrm>
           <a:prstGeom prst="rect">
             <a:avLst/>
@@ -4005,10 +6608,10 @@
       </p:pic>
       <p:pic>
         <p:nvPicPr>
-          <p:cNvPr id="3" name="Picture 2" descr="A picture containing clock&#10;&#10;Description automatically generated">
-            <a:extLst>
-              <a:ext uri="{FF2B5EF4-FFF2-40B4-BE49-F238E27FC236}">
-                <a16:creationId xmlns:a16="http://schemas.microsoft.com/office/drawing/2014/main" id="{96F2F4B5-A53B-457B-9CCD-8245E90B154D}"/>
+          <p:cNvPr id="7" name="Picture 6" descr="A picture containing star, sky&#10;&#10;Description automatically generated">
+            <a:extLst>
+              <a:ext uri="{FF2B5EF4-FFF2-40B4-BE49-F238E27FC236}">
+                <a16:creationId xmlns:a16="http://schemas.microsoft.com/office/drawing/2014/main" id="{92F773FE-9E16-438B-962F-761BC0281CFF}"/>
               </a:ext>
             </a:extLst>
           </p:cNvPr>
@@ -4031,8 +6634,422 @@
         </p:blipFill>
         <p:spPr>
           <a:xfrm>
-            <a:off x="3746886" y="4902780"/>
-            <a:ext cx="1865031" cy="1243355"/>
+            <a:off x="5184089" y="3964612"/>
+            <a:ext cx="2856722" cy="1904481"/>
+          </a:xfrm>
+          <a:prstGeom prst="rect">
+            <a:avLst/>
+          </a:prstGeom>
+        </p:spPr>
+      </p:pic>
+      <p:sp>
+        <p:nvSpPr>
+          <p:cNvPr id="8" name="Arrow: Right 7">
+            <a:extLst>
+              <a:ext uri="{FF2B5EF4-FFF2-40B4-BE49-F238E27FC236}">
+                <a16:creationId xmlns:a16="http://schemas.microsoft.com/office/drawing/2014/main" id="{8CFA3292-B3AF-4837-A748-FE96F0219ACB}"/>
+              </a:ext>
+            </a:extLst>
+          </p:cNvPr>
+          <p:cNvSpPr/>
+          <p:nvPr/>
+        </p:nvSpPr>
+        <p:spPr>
+          <a:xfrm>
+            <a:off x="4180114" y="4730620"/>
+            <a:ext cx="774441" cy="317241"/>
+          </a:xfrm>
+          <a:prstGeom prst="rightArrow">
+            <a:avLst/>
+          </a:prstGeom>
+        </p:spPr>
+        <p:style>
+          <a:lnRef idx="2">
+            <a:schemeClr val="accent1">
+              <a:shade val="50000"/>
+            </a:schemeClr>
+          </a:lnRef>
+          <a:fillRef idx="1">
+            <a:schemeClr val="accent1"/>
+          </a:fillRef>
+          <a:effectRef idx="0">
+            <a:schemeClr val="accent1"/>
+          </a:effectRef>
+          <a:fontRef idx="minor">
+            <a:schemeClr val="lt1"/>
+          </a:fontRef>
+        </p:style>
+        <p:txBody>
+          <a:bodyPr rtlCol="0" anchor="ctr"/>
+          <a:lstStyle/>
+          <a:p>
+            <a:pPr algn="ctr"/>
+            <a:endParaRPr lang="en-CA"/>
+          </a:p>
+        </p:txBody>
+      </p:sp>
+      <p:sp>
+        <p:nvSpPr>
+          <p:cNvPr id="9" name="TextBox 8">
+            <a:extLst>
+              <a:ext uri="{FF2B5EF4-FFF2-40B4-BE49-F238E27FC236}">
+                <a16:creationId xmlns:a16="http://schemas.microsoft.com/office/drawing/2014/main" id="{FF74BB0F-8520-46A0-B2A3-CF96ED3BB795}"/>
+              </a:ext>
+            </a:extLst>
+          </p:cNvPr>
+          <p:cNvSpPr txBox="1"/>
+          <p:nvPr/>
+        </p:nvSpPr>
+        <p:spPr>
+          <a:xfrm>
+            <a:off x="1097280" y="5869093"/>
+            <a:ext cx="2856722" cy="253916"/>
+          </a:xfrm>
+          <a:prstGeom prst="rect">
+            <a:avLst/>
+          </a:prstGeom>
+          <a:noFill/>
+        </p:spPr>
+        <p:txBody>
+          <a:bodyPr wrap="square" rtlCol="0">
+            <a:spAutoFit/>
+          </a:bodyPr>
+          <a:lstStyle/>
+          <a:p>
+            <a:r>
+              <a:rPr lang="en-CA" sz="1050" dirty="0"/>
+              <a:t>Image from: Visible-Infrared Database – SMT Lab</a:t>
+            </a:r>
+          </a:p>
+        </p:txBody>
+      </p:sp>
+      <p:sp>
+        <p:nvSpPr>
+          <p:cNvPr id="10" name="TextBox 9">
+            <a:extLst>
+              <a:ext uri="{FF2B5EF4-FFF2-40B4-BE49-F238E27FC236}">
+                <a16:creationId xmlns:a16="http://schemas.microsoft.com/office/drawing/2014/main" id="{121500F6-2EDA-481F-808E-DFCB0E02858C}"/>
+              </a:ext>
+            </a:extLst>
+          </p:cNvPr>
+          <p:cNvSpPr txBox="1"/>
+          <p:nvPr/>
+        </p:nvSpPr>
+        <p:spPr>
+          <a:xfrm>
+            <a:off x="5184089" y="5869093"/>
+            <a:ext cx="2856722" cy="253916"/>
+          </a:xfrm>
+          <a:prstGeom prst="rect">
+            <a:avLst/>
+          </a:prstGeom>
+          <a:noFill/>
+        </p:spPr>
+        <p:txBody>
+          <a:bodyPr wrap="square" rtlCol="0">
+            <a:spAutoFit/>
+          </a:bodyPr>
+          <a:lstStyle/>
+          <a:p>
+            <a:pPr algn="ctr"/>
+            <a:r>
+              <a:rPr lang="en-CA" sz="1050" dirty="0"/>
+              <a:t>GBVS Saliency Map</a:t>
+            </a:r>
+          </a:p>
+        </p:txBody>
+      </p:sp>
+    </p:spTree>
+    <p:extLst>
+      <p:ext uri="{BB962C8B-B14F-4D97-AF65-F5344CB8AC3E}">
+        <p14:creationId xmlns:p14="http://schemas.microsoft.com/office/powerpoint/2010/main" val="2632970650"/>
+      </p:ext>
+    </p:extLst>
+  </p:cSld>
+  <p:clrMapOvr>
+    <a:masterClrMapping/>
+  </p:clrMapOvr>
+</p:sld>
+</file>
+
+<file path=ppt/slides/slide5.xml><?xml version="1.0" encoding="utf-8"?>
+<p:sld xmlns:a="http://schemas.openxmlformats.org/drawingml/2006/main" xmlns:r="http://schemas.openxmlformats.org/officeDocument/2006/relationships" xmlns:p="http://schemas.openxmlformats.org/presentationml/2006/main">
+  <p:cSld>
+    <p:spTree>
+      <p:nvGrpSpPr>
+        <p:cNvPr id="1" name=""/>
+        <p:cNvGrpSpPr/>
+        <p:nvPr/>
+      </p:nvGrpSpPr>
+      <p:grpSpPr>
+        <a:xfrm>
+          <a:off x="0" y="0"/>
+          <a:ext cx="0" cy="0"/>
+          <a:chOff x="0" y="0"/>
+          <a:chExt cx="0" cy="0"/>
+        </a:xfrm>
+      </p:grpSpPr>
+      <p:sp>
+        <p:nvSpPr>
+          <p:cNvPr id="2" name="Title 1">
+            <a:extLst>
+              <a:ext uri="{FF2B5EF4-FFF2-40B4-BE49-F238E27FC236}">
+                <a16:creationId xmlns:a16="http://schemas.microsoft.com/office/drawing/2014/main" id="{09E4983D-8AA5-4564-94EF-C01F9D568984}"/>
+              </a:ext>
+            </a:extLst>
+          </p:cNvPr>
+          <p:cNvSpPr>
+            <a:spLocks noGrp="1"/>
+          </p:cNvSpPr>
+          <p:nvPr>
+            <p:ph type="title"/>
+          </p:nvPr>
+        </p:nvSpPr>
+        <p:spPr/>
+        <p:txBody>
+          <a:bodyPr/>
+          <a:lstStyle/>
+          <a:p>
+            <a:r>
+              <a:rPr lang="en-CA" dirty="0"/>
+              <a:t>Question(s):</a:t>
+            </a:r>
+          </a:p>
+        </p:txBody>
+      </p:sp>
+      <p:sp>
+        <p:nvSpPr>
+          <p:cNvPr id="3" name="Content Placeholder 2">
+            <a:extLst>
+              <a:ext uri="{FF2B5EF4-FFF2-40B4-BE49-F238E27FC236}">
+                <a16:creationId xmlns:a16="http://schemas.microsoft.com/office/drawing/2014/main" id="{AC63165D-EC5C-4642-B2ED-A7094A8F5DAA}"/>
+              </a:ext>
+            </a:extLst>
+          </p:cNvPr>
+          <p:cNvSpPr>
+            <a:spLocks noGrp="1"/>
+          </p:cNvSpPr>
+          <p:nvPr>
+            <p:ph idx="1"/>
+          </p:nvPr>
+        </p:nvSpPr>
+        <p:spPr/>
+        <p:txBody>
+          <a:bodyPr/>
+          <a:lstStyle/>
+          <a:p>
+            <a:r>
+              <a:rPr lang="en-CA" dirty="0"/>
+              <a:t>Can saliency models be used on IR images? How do they compare in performance to VIS images?</a:t>
+            </a:r>
+          </a:p>
+          <a:p>
+            <a:r>
+              <a:rPr lang="en-CA" dirty="0"/>
+              <a:t>Are there any use cases in which IR and VIS images are interchangeable?</a:t>
+            </a:r>
+          </a:p>
+          <a:p>
+            <a:endParaRPr lang="en-CA" dirty="0"/>
+          </a:p>
+        </p:txBody>
+      </p:sp>
+    </p:spTree>
+    <p:extLst>
+      <p:ext uri="{BB962C8B-B14F-4D97-AF65-F5344CB8AC3E}">
+        <p14:creationId xmlns:p14="http://schemas.microsoft.com/office/powerpoint/2010/main" val="4068477369"/>
+      </p:ext>
+    </p:extLst>
+  </p:cSld>
+  <p:clrMapOvr>
+    <a:masterClrMapping/>
+  </p:clrMapOvr>
+</p:sld>
+</file>
+
+<file path=ppt/slides/slide6.xml><?xml version="1.0" encoding="utf-8"?>
+<p:sld xmlns:a="http://schemas.openxmlformats.org/drawingml/2006/main" xmlns:r="http://schemas.openxmlformats.org/officeDocument/2006/relationships" xmlns:p="http://schemas.openxmlformats.org/presentationml/2006/main">
+  <p:cSld>
+    <p:spTree>
+      <p:nvGrpSpPr>
+        <p:cNvPr id="1" name=""/>
+        <p:cNvGrpSpPr/>
+        <p:nvPr/>
+      </p:nvGrpSpPr>
+      <p:grpSpPr>
+        <a:xfrm>
+          <a:off x="0" y="0"/>
+          <a:ext cx="0" cy="0"/>
+          <a:chOff x="0" y="0"/>
+          <a:chExt cx="0" cy="0"/>
+        </a:xfrm>
+      </p:grpSpPr>
+      <p:sp>
+        <p:nvSpPr>
+          <p:cNvPr id="2" name="Title 1">
+            <a:extLst>
+              <a:ext uri="{FF2B5EF4-FFF2-40B4-BE49-F238E27FC236}">
+                <a16:creationId xmlns:a16="http://schemas.microsoft.com/office/drawing/2014/main" id="{BEAA8D66-202E-4E0B-9D2B-65F1F2A6CCF2}"/>
+              </a:ext>
+            </a:extLst>
+          </p:cNvPr>
+          <p:cNvSpPr>
+            <a:spLocks noGrp="1"/>
+          </p:cNvSpPr>
+          <p:nvPr>
+            <p:ph type="title"/>
+          </p:nvPr>
+        </p:nvSpPr>
+        <p:spPr/>
+        <p:txBody>
+          <a:bodyPr/>
+          <a:lstStyle/>
+          <a:p>
+            <a:r>
+              <a:rPr lang="en-CA" dirty="0"/>
+              <a:t>Methods - Datasets</a:t>
+            </a:r>
+          </a:p>
+        </p:txBody>
+      </p:sp>
+      <p:sp>
+        <p:nvSpPr>
+          <p:cNvPr id="3" name="Content Placeholder 2">
+            <a:extLst>
+              <a:ext uri="{FF2B5EF4-FFF2-40B4-BE49-F238E27FC236}">
+                <a16:creationId xmlns:a16="http://schemas.microsoft.com/office/drawing/2014/main" id="{38412C6A-7F5E-417D-B1AC-6BA971C1747F}"/>
+              </a:ext>
+            </a:extLst>
+          </p:cNvPr>
+          <p:cNvSpPr>
+            <a:spLocks noGrp="1"/>
+          </p:cNvSpPr>
+          <p:nvPr>
+            <p:ph idx="1"/>
+          </p:nvPr>
+        </p:nvSpPr>
+        <p:spPr/>
+        <p:txBody>
+          <a:bodyPr/>
+          <a:lstStyle/>
+          <a:p>
+            <a:r>
+              <a:rPr lang="en-CA" dirty="0"/>
+              <a:t>I used the Visible-Infrared Database - </a:t>
+            </a:r>
+            <a:r>
+              <a:rPr lang="en-US" dirty="0"/>
+              <a:t>SMT/COPPE/</a:t>
+            </a:r>
+            <a:r>
+              <a:rPr lang="en-US" dirty="0" err="1"/>
+              <a:t>Poli</a:t>
+            </a:r>
+            <a:r>
+              <a:rPr lang="en-US" dirty="0"/>
+              <a:t>/UFRJ and IME</a:t>
+            </a:r>
+          </a:p>
+          <a:p>
+            <a:pPr lvl="1"/>
+            <a:r>
+              <a:rPr lang="en-US" dirty="0"/>
+              <a:t>Various datasets</a:t>
+            </a:r>
+          </a:p>
+          <a:p>
+            <a:pPr lvl="1"/>
+            <a:r>
+              <a:rPr lang="en-US" dirty="0"/>
+              <a:t>All IR and VIS image pairs are Co-Registered. This is IMPORTANT – In order to compare performance the images need to at least be of the same scene!</a:t>
+            </a:r>
+          </a:p>
+        </p:txBody>
+      </p:sp>
+    </p:spTree>
+    <p:extLst>
+      <p:ext uri="{BB962C8B-B14F-4D97-AF65-F5344CB8AC3E}">
+        <p14:creationId xmlns:p14="http://schemas.microsoft.com/office/powerpoint/2010/main" val="721407064"/>
+      </p:ext>
+    </p:extLst>
+  </p:cSld>
+  <p:clrMapOvr>
+    <a:masterClrMapping/>
+  </p:clrMapOvr>
+</p:sld>
+</file>
+
+<file path=ppt/slides/slide7.xml><?xml version="1.0" encoding="utf-8"?>
+<p:sld xmlns:a="http://schemas.openxmlformats.org/drawingml/2006/main" xmlns:r="http://schemas.openxmlformats.org/officeDocument/2006/relationships" xmlns:p="http://schemas.openxmlformats.org/presentationml/2006/main">
+  <p:cSld>
+    <p:spTree>
+      <p:nvGrpSpPr>
+        <p:cNvPr id="1" name=""/>
+        <p:cNvGrpSpPr/>
+        <p:nvPr/>
+      </p:nvGrpSpPr>
+      <p:grpSpPr>
+        <a:xfrm>
+          <a:off x="0" y="0"/>
+          <a:ext cx="0" cy="0"/>
+          <a:chOff x="0" y="0"/>
+          <a:chExt cx="0" cy="0"/>
+        </a:xfrm>
+      </p:grpSpPr>
+      <p:sp>
+        <p:nvSpPr>
+          <p:cNvPr id="2" name="Title 1">
+            <a:extLst>
+              <a:ext uri="{FF2B5EF4-FFF2-40B4-BE49-F238E27FC236}">
+                <a16:creationId xmlns:a16="http://schemas.microsoft.com/office/drawing/2014/main" id="{7C87AA17-649C-4AF8-8B5B-6662C75E8B9B}"/>
+              </a:ext>
+            </a:extLst>
+          </p:cNvPr>
+          <p:cNvSpPr>
+            <a:spLocks noGrp="1"/>
+          </p:cNvSpPr>
+          <p:nvPr>
+            <p:ph type="title"/>
+          </p:nvPr>
+        </p:nvSpPr>
+        <p:spPr/>
+        <p:txBody>
+          <a:bodyPr/>
+          <a:lstStyle/>
+          <a:p>
+            <a:r>
+              <a:rPr lang="en-CA" dirty="0"/>
+              <a:t>Methods – Ground Truth Data</a:t>
+            </a:r>
+          </a:p>
+        </p:txBody>
+      </p:sp>
+      <p:pic>
+        <p:nvPicPr>
+          <p:cNvPr id="4" name="Content Placeholder 3">
+            <a:extLst>
+              <a:ext uri="{FF2B5EF4-FFF2-40B4-BE49-F238E27FC236}">
+                <a16:creationId xmlns:a16="http://schemas.microsoft.com/office/drawing/2014/main" id="{BE4B9881-D1F8-4B8D-B843-4763C5FB926D}"/>
+              </a:ext>
+            </a:extLst>
+          </p:cNvPr>
+          <p:cNvPicPr>
+            <a:picLocks noGrp="1" noChangeAspect="1"/>
+          </p:cNvPicPr>
+          <p:nvPr>
+            <p:ph idx="1"/>
+          </p:nvPr>
+        </p:nvPicPr>
+        <p:blipFill>
+          <a:blip r:embed="rId2"/>
+          <a:stretch>
+            <a:fillRect/>
+          </a:stretch>
+        </p:blipFill>
+        <p:spPr>
+          <a:xfrm>
+            <a:off x="3702674" y="3844211"/>
+            <a:ext cx="2702652" cy="2024777"/>
           </a:xfrm>
           <a:prstGeom prst="rect">
             <a:avLst/>
@@ -4041,10 +7058,330 @@
       </p:pic>
       <p:pic>
         <p:nvPicPr>
-          <p:cNvPr id="4" name="Picture 3" descr="A picture containing indoor, object, sitting, monitor&#10;&#10;Description automatically generated">
-            <a:extLst>
-              <a:ext uri="{FF2B5EF4-FFF2-40B4-BE49-F238E27FC236}">
-                <a16:creationId xmlns:a16="http://schemas.microsoft.com/office/drawing/2014/main" id="{7D1E123C-353C-481B-87FB-644245BBB9F2}"/>
+          <p:cNvPr id="5" name="Picture 4">
+            <a:extLst>
+              <a:ext uri="{FF2B5EF4-FFF2-40B4-BE49-F238E27FC236}">
+                <a16:creationId xmlns:a16="http://schemas.microsoft.com/office/drawing/2014/main" id="{D3EEC868-23FD-4CC1-8DB2-2064FB44D301}"/>
+              </a:ext>
+            </a:extLst>
+          </p:cNvPr>
+          <p:cNvPicPr>
+            <a:picLocks noChangeAspect="1"/>
+          </p:cNvPicPr>
+          <p:nvPr/>
+        </p:nvPicPr>
+        <p:blipFill>
+          <a:blip r:embed="rId3"/>
+          <a:stretch>
+            <a:fillRect/>
+          </a:stretch>
+        </p:blipFill>
+        <p:spPr>
+          <a:xfrm>
+            <a:off x="774441" y="3844212"/>
+            <a:ext cx="2699701" cy="2024776"/>
+          </a:xfrm>
+          <a:prstGeom prst="rect">
+            <a:avLst/>
+          </a:prstGeom>
+        </p:spPr>
+      </p:pic>
+      <p:sp>
+        <p:nvSpPr>
+          <p:cNvPr id="6" name="TextBox 5">
+            <a:extLst>
+              <a:ext uri="{FF2B5EF4-FFF2-40B4-BE49-F238E27FC236}">
+                <a16:creationId xmlns:a16="http://schemas.microsoft.com/office/drawing/2014/main" id="{A42F69F9-207B-494A-8135-6743DE9156DC}"/>
+              </a:ext>
+            </a:extLst>
+          </p:cNvPr>
+          <p:cNvSpPr txBox="1"/>
+          <p:nvPr/>
+        </p:nvSpPr>
+        <p:spPr>
+          <a:xfrm>
+            <a:off x="774441" y="5868988"/>
+            <a:ext cx="5645020" cy="276999"/>
+          </a:xfrm>
+          <a:prstGeom prst="rect">
+            <a:avLst/>
+          </a:prstGeom>
+          <a:noFill/>
+        </p:spPr>
+        <p:txBody>
+          <a:bodyPr wrap="square" rtlCol="0">
+            <a:spAutoFit/>
+          </a:bodyPr>
+          <a:lstStyle/>
+          <a:p>
+            <a:r>
+              <a:rPr lang="en-CA" sz="1200" dirty="0"/>
+              <a:t>Mouse Contingent Stimuli – From SALICON: Saliency in Context</a:t>
+            </a:r>
+          </a:p>
+        </p:txBody>
+      </p:sp>
+      <p:pic>
+        <p:nvPicPr>
+          <p:cNvPr id="7" name="Picture 6">
+            <a:extLst>
+              <a:ext uri="{FF2B5EF4-FFF2-40B4-BE49-F238E27FC236}">
+                <a16:creationId xmlns:a16="http://schemas.microsoft.com/office/drawing/2014/main" id="{BE232A35-726E-4044-B3AD-D326BA2E21B9}"/>
+              </a:ext>
+            </a:extLst>
+          </p:cNvPr>
+          <p:cNvPicPr>
+            <a:picLocks noChangeAspect="1"/>
+          </p:cNvPicPr>
+          <p:nvPr/>
+        </p:nvPicPr>
+        <p:blipFill>
+          <a:blip r:embed="rId4"/>
+          <a:stretch>
+            <a:fillRect/>
+          </a:stretch>
+        </p:blipFill>
+        <p:spPr>
+          <a:xfrm>
+            <a:off x="8192070" y="3844211"/>
+            <a:ext cx="3037165" cy="2024777"/>
+          </a:xfrm>
+          <a:prstGeom prst="rect">
+            <a:avLst/>
+          </a:prstGeom>
+        </p:spPr>
+      </p:pic>
+      <p:sp>
+        <p:nvSpPr>
+          <p:cNvPr id="9" name="TextBox 8">
+            <a:extLst>
+              <a:ext uri="{FF2B5EF4-FFF2-40B4-BE49-F238E27FC236}">
+                <a16:creationId xmlns:a16="http://schemas.microsoft.com/office/drawing/2014/main" id="{39ABD423-85BA-4EB1-A239-7B6B7F036BF3}"/>
+              </a:ext>
+            </a:extLst>
+          </p:cNvPr>
+          <p:cNvSpPr txBox="1"/>
+          <p:nvPr/>
+        </p:nvSpPr>
+        <p:spPr>
+          <a:xfrm>
+            <a:off x="9005413" y="5868988"/>
+            <a:ext cx="1410477" cy="276999"/>
+          </a:xfrm>
+          <a:prstGeom prst="rect">
+            <a:avLst/>
+          </a:prstGeom>
+          <a:noFill/>
+        </p:spPr>
+        <p:txBody>
+          <a:bodyPr wrap="square" rtlCol="0">
+            <a:spAutoFit/>
+          </a:bodyPr>
+          <a:lstStyle/>
+          <a:p>
+            <a:r>
+              <a:rPr lang="en-CA" sz="1200" dirty="0"/>
+              <a:t>My implementation</a:t>
+            </a:r>
+          </a:p>
+        </p:txBody>
+      </p:sp>
+      <p:sp>
+        <p:nvSpPr>
+          <p:cNvPr id="10" name="TextBox 9">
+            <a:extLst>
+              <a:ext uri="{FF2B5EF4-FFF2-40B4-BE49-F238E27FC236}">
+                <a16:creationId xmlns:a16="http://schemas.microsoft.com/office/drawing/2014/main" id="{EF243568-757A-4222-B1D4-74DD89000E97}"/>
+              </a:ext>
+            </a:extLst>
+          </p:cNvPr>
+          <p:cNvSpPr txBox="1"/>
+          <p:nvPr/>
+        </p:nvSpPr>
+        <p:spPr>
+          <a:xfrm>
+            <a:off x="1180730" y="1899821"/>
+            <a:ext cx="9974950" cy="1477328"/>
+          </a:xfrm>
+          <a:prstGeom prst="rect">
+            <a:avLst/>
+          </a:prstGeom>
+          <a:noFill/>
+        </p:spPr>
+        <p:txBody>
+          <a:bodyPr wrap="square" rtlCol="0">
+            <a:spAutoFit/>
+          </a:bodyPr>
+          <a:lstStyle/>
+          <a:p>
+            <a:r>
+              <a:rPr lang="en-CA" dirty="0"/>
+              <a:t>Need ground truth data to assess performance</a:t>
+            </a:r>
+          </a:p>
+          <a:p>
+            <a:endParaRPr lang="en-CA" dirty="0"/>
+          </a:p>
+          <a:p>
+            <a:r>
+              <a:rPr lang="en-CA" dirty="0"/>
+              <a:t>SALICON method: </a:t>
+            </a:r>
+            <a:r>
+              <a:rPr lang="en-CA" b="1" dirty="0"/>
+              <a:t>Mouse-Contingent Free-Viewing </a:t>
+            </a:r>
+            <a:r>
+              <a:rPr lang="en-CA" dirty="0"/>
+              <a:t>paradigm</a:t>
+            </a:r>
+          </a:p>
+          <a:p>
+            <a:endParaRPr lang="en-CA" dirty="0"/>
+          </a:p>
+          <a:p>
+            <a:r>
+              <a:rPr lang="en-CA" dirty="0"/>
+              <a:t>Uses mouse tracking in leu of eye tracking to generate human saliency maps</a:t>
+            </a:r>
+          </a:p>
+        </p:txBody>
+      </p:sp>
+    </p:spTree>
+    <p:extLst>
+      <p:ext uri="{BB962C8B-B14F-4D97-AF65-F5344CB8AC3E}">
+        <p14:creationId xmlns:p14="http://schemas.microsoft.com/office/powerpoint/2010/main" val="754386762"/>
+      </p:ext>
+    </p:extLst>
+  </p:cSld>
+  <p:clrMapOvr>
+    <a:masterClrMapping/>
+  </p:clrMapOvr>
+</p:sld>
+</file>
+
+<file path=ppt/slides/slide8.xml><?xml version="1.0" encoding="utf-8"?>
+<p:sld xmlns:a="http://schemas.openxmlformats.org/drawingml/2006/main" xmlns:r="http://schemas.openxmlformats.org/officeDocument/2006/relationships" xmlns:p="http://schemas.openxmlformats.org/presentationml/2006/main">
+  <p:cSld>
+    <p:spTree>
+      <p:nvGrpSpPr>
+        <p:cNvPr id="1" name=""/>
+        <p:cNvGrpSpPr/>
+        <p:nvPr/>
+      </p:nvGrpSpPr>
+      <p:grpSpPr>
+        <a:xfrm>
+          <a:off x="0" y="0"/>
+          <a:ext cx="0" cy="0"/>
+          <a:chOff x="0" y="0"/>
+          <a:chExt cx="0" cy="0"/>
+        </a:xfrm>
+      </p:grpSpPr>
+      <p:sp>
+        <p:nvSpPr>
+          <p:cNvPr id="2" name="Title 1">
+            <a:extLst>
+              <a:ext uri="{FF2B5EF4-FFF2-40B4-BE49-F238E27FC236}">
+                <a16:creationId xmlns:a16="http://schemas.microsoft.com/office/drawing/2014/main" id="{28540BBA-FC15-4D6F-9BE9-62685B89BA6C}"/>
+              </a:ext>
+            </a:extLst>
+          </p:cNvPr>
+          <p:cNvSpPr>
+            <a:spLocks noGrp="1"/>
+          </p:cNvSpPr>
+          <p:nvPr>
+            <p:ph type="title"/>
+          </p:nvPr>
+        </p:nvSpPr>
+        <p:spPr/>
+        <p:txBody>
+          <a:bodyPr/>
+          <a:lstStyle/>
+          <a:p>
+            <a:r>
+              <a:rPr lang="en-CA" dirty="0"/>
+              <a:t>Methods – Ground Truth Data</a:t>
+            </a:r>
+          </a:p>
+        </p:txBody>
+      </p:sp>
+      <p:pic>
+        <p:nvPicPr>
+          <p:cNvPr id="5" name="Content Placeholder 4" descr="A picture containing light&#10;&#10;Description automatically generated">
+            <a:extLst>
+              <a:ext uri="{FF2B5EF4-FFF2-40B4-BE49-F238E27FC236}">
+                <a16:creationId xmlns:a16="http://schemas.microsoft.com/office/drawing/2014/main" id="{B7CF28D1-CAF7-4084-BAA1-0D911F0F5CF7}"/>
+              </a:ext>
+            </a:extLst>
+          </p:cNvPr>
+          <p:cNvPicPr>
+            <a:picLocks noGrp="1" noChangeAspect="1"/>
+          </p:cNvPicPr>
+          <p:nvPr>
+            <p:ph idx="1"/>
+          </p:nvPr>
+        </p:nvPicPr>
+        <p:blipFill>
+          <a:blip r:embed="rId2">
+            <a:extLst>
+              <a:ext uri="{28A0092B-C50C-407E-A947-70E740481C1C}">
+                <a14:useLocalDpi xmlns:a14="http://schemas.microsoft.com/office/drawing/2010/main" val="0"/>
+              </a:ext>
+            </a:extLst>
+          </a:blip>
+          <a:stretch>
+            <a:fillRect/>
+          </a:stretch>
+        </p:blipFill>
+        <p:spPr>
+          <a:xfrm>
+            <a:off x="987490" y="4539342"/>
+            <a:ext cx="2473316" cy="1648877"/>
+          </a:xfrm>
+        </p:spPr>
+      </p:pic>
+      <p:pic>
+        <p:nvPicPr>
+          <p:cNvPr id="7" name="Picture 6" descr="A picture containing photo, water, white, black&#10;&#10;Description automatically generated">
+            <a:extLst>
+              <a:ext uri="{FF2B5EF4-FFF2-40B4-BE49-F238E27FC236}">
+                <a16:creationId xmlns:a16="http://schemas.microsoft.com/office/drawing/2014/main" id="{48E6E910-9CCB-4D7A-A268-2C840CD25F3F}"/>
+              </a:ext>
+            </a:extLst>
+          </p:cNvPr>
+          <p:cNvPicPr>
+            <a:picLocks noChangeAspect="1"/>
+          </p:cNvPicPr>
+          <p:nvPr/>
+        </p:nvPicPr>
+        <p:blipFill>
+          <a:blip r:embed="rId3">
+            <a:extLst>
+              <a:ext uri="{28A0092B-C50C-407E-A947-70E740481C1C}">
+                <a14:useLocalDpi xmlns:a14="http://schemas.microsoft.com/office/drawing/2010/main" val="0"/>
+              </a:ext>
+            </a:extLst>
+          </a:blip>
+          <a:stretch>
+            <a:fillRect/>
+          </a:stretch>
+        </p:blipFill>
+        <p:spPr>
+          <a:xfrm>
+            <a:off x="3806743" y="4539342"/>
+            <a:ext cx="2473316" cy="1648878"/>
+          </a:xfrm>
+          <a:prstGeom prst="rect">
+            <a:avLst/>
+          </a:prstGeom>
+        </p:spPr>
+      </p:pic>
+      <p:pic>
+        <p:nvPicPr>
+          <p:cNvPr id="9" name="Picture 8" descr="A picture containing drawing&#10;&#10;Description automatically generated">
+            <a:extLst>
+              <a:ext uri="{FF2B5EF4-FFF2-40B4-BE49-F238E27FC236}">
+                <a16:creationId xmlns:a16="http://schemas.microsoft.com/office/drawing/2014/main" id="{E4350689-21D4-493A-B186-2B95F7CBB517}"/>
               </a:ext>
             </a:extLst>
           </p:cNvPr>
@@ -4067,8 +7404,8 @@
         </p:blipFill>
         <p:spPr>
           <a:xfrm>
-            <a:off x="5728717" y="4902784"/>
-            <a:ext cx="1865033" cy="1243355"/>
+            <a:off x="2329546" y="3315502"/>
+            <a:ext cx="1131260" cy="754173"/>
           </a:xfrm>
           <a:prstGeom prst="rect">
             <a:avLst/>
@@ -4077,10 +7414,10 @@
       </p:pic>
       <p:pic>
         <p:nvPicPr>
-          <p:cNvPr id="5" name="Picture 4" descr="A picture containing sitting, clock&#10;&#10;Description automatically generated">
-            <a:extLst>
-              <a:ext uri="{FF2B5EF4-FFF2-40B4-BE49-F238E27FC236}">
-                <a16:creationId xmlns:a16="http://schemas.microsoft.com/office/drawing/2014/main" id="{8B78A28C-5465-4C61-ABCB-144991C11CE3}"/>
+          <p:cNvPr id="11" name="Picture 10" descr="A picture containing black, drawing&#10;&#10;Description automatically generated">
+            <a:extLst>
+              <a:ext uri="{FF2B5EF4-FFF2-40B4-BE49-F238E27FC236}">
+                <a16:creationId xmlns:a16="http://schemas.microsoft.com/office/drawing/2014/main" id="{F3710DBA-B344-4E66-8DC9-E509F63FE4AC}"/>
               </a:ext>
             </a:extLst>
           </p:cNvPr>
@@ -4103,8 +7440,8 @@
         </p:blipFill>
         <p:spPr>
           <a:xfrm>
-            <a:off x="7726935" y="4902784"/>
-            <a:ext cx="1865033" cy="1243355"/>
+            <a:off x="950004" y="3315502"/>
+            <a:ext cx="1131260" cy="754173"/>
           </a:xfrm>
           <a:prstGeom prst="rect">
             <a:avLst/>
@@ -4113,10 +7450,10 @@
       </p:pic>
       <p:pic>
         <p:nvPicPr>
-          <p:cNvPr id="6" name="Picture 5" descr="A picture containing animal, star&#10;&#10;Description automatically generated">
-            <a:extLst>
-              <a:ext uri="{FF2B5EF4-FFF2-40B4-BE49-F238E27FC236}">
-                <a16:creationId xmlns:a16="http://schemas.microsoft.com/office/drawing/2014/main" id="{CB271734-9194-43AF-BDAE-9DCEDC150921}"/>
+          <p:cNvPr id="13" name="Picture 12" descr="A close up of a logo&#10;&#10;Description automatically generated">
+            <a:extLst>
+              <a:ext uri="{FF2B5EF4-FFF2-40B4-BE49-F238E27FC236}">
+                <a16:creationId xmlns:a16="http://schemas.microsoft.com/office/drawing/2014/main" id="{953AE7FC-5C19-4F1F-8365-06B84B6FEAB4}"/>
               </a:ext>
             </a:extLst>
           </p:cNvPr>
@@ -4139,452 +7476,20 @@
         </p:blipFill>
         <p:spPr>
           <a:xfrm>
-            <a:off x="9725593" y="4902784"/>
-            <a:ext cx="1865035" cy="1243356"/>
+            <a:off x="1658518" y="2468749"/>
+            <a:ext cx="1131260" cy="754173"/>
           </a:xfrm>
           <a:prstGeom prst="rect">
             <a:avLst/>
           </a:prstGeom>
         </p:spPr>
       </p:pic>
-      <p:pic>
-        <p:nvPicPr>
-          <p:cNvPr id="7" name="Picture 6" descr="A picture containing photo, water, white, black&#10;&#10;Description automatically generated">
-            <a:extLst>
-              <a:ext uri="{FF2B5EF4-FFF2-40B4-BE49-F238E27FC236}">
-                <a16:creationId xmlns:a16="http://schemas.microsoft.com/office/drawing/2014/main" id="{6C9CC7CB-CE48-454A-8E61-33B98C59F750}"/>
-              </a:ext>
-            </a:extLst>
-          </p:cNvPr>
-          <p:cNvPicPr>
-            <a:picLocks noChangeAspect="1"/>
-          </p:cNvPicPr>
-          <p:nvPr/>
-        </p:nvPicPr>
-        <p:blipFill>
-          <a:blip r:embed="rId7">
-            <a:extLst>
-              <a:ext uri="{28A0092B-C50C-407E-A947-70E740481C1C}">
-                <a14:useLocalDpi xmlns:a14="http://schemas.microsoft.com/office/drawing/2010/main" val="0"/>
-              </a:ext>
-            </a:extLst>
-          </a:blip>
-          <a:stretch>
-            <a:fillRect/>
-          </a:stretch>
-        </p:blipFill>
-        <p:spPr>
-          <a:xfrm>
-            <a:off x="4278023" y="124083"/>
-            <a:ext cx="1763322" cy="1175548"/>
-          </a:xfrm>
-          <a:prstGeom prst="rect">
-            <a:avLst/>
-          </a:prstGeom>
-        </p:spPr>
-      </p:pic>
-      <p:pic>
-        <p:nvPicPr>
-          <p:cNvPr id="8" name="Picture 7" descr="A person standing on a court with a racket&#10;&#10;Description automatically generated">
-            <a:extLst>
-              <a:ext uri="{FF2B5EF4-FFF2-40B4-BE49-F238E27FC236}">
-                <a16:creationId xmlns:a16="http://schemas.microsoft.com/office/drawing/2014/main" id="{ED99C11B-E7F5-48F6-828B-158CACE45D27}"/>
-              </a:ext>
-            </a:extLst>
-          </p:cNvPr>
-          <p:cNvPicPr>
-            <a:picLocks noChangeAspect="1"/>
-          </p:cNvPicPr>
-          <p:nvPr/>
-        </p:nvPicPr>
-        <p:blipFill>
-          <a:blip r:embed="rId8">
-            <a:extLst>
-              <a:ext uri="{28A0092B-C50C-407E-A947-70E740481C1C}">
-                <a14:useLocalDpi xmlns:a14="http://schemas.microsoft.com/office/drawing/2010/main" val="0"/>
-              </a:ext>
-            </a:extLst>
-          </a:blip>
-          <a:stretch>
-            <a:fillRect/>
-          </a:stretch>
-        </p:blipFill>
-        <p:spPr>
-          <a:xfrm>
-            <a:off x="6172083" y="124083"/>
-            <a:ext cx="1763322" cy="1175548"/>
-          </a:xfrm>
-          <a:prstGeom prst="rect">
-            <a:avLst/>
-          </a:prstGeom>
-        </p:spPr>
-      </p:pic>
-      <p:pic>
-        <p:nvPicPr>
-          <p:cNvPr id="10" name="Picture 9" descr="A picture containing sky, star, night, black&#10;&#10;Description automatically generated">
-            <a:extLst>
-              <a:ext uri="{FF2B5EF4-FFF2-40B4-BE49-F238E27FC236}">
-                <a16:creationId xmlns:a16="http://schemas.microsoft.com/office/drawing/2014/main" id="{F3B3440D-3F61-4919-A11F-CE697D14CBA6}"/>
-              </a:ext>
-            </a:extLst>
-          </p:cNvPr>
-          <p:cNvPicPr>
-            <a:picLocks noChangeAspect="1"/>
-          </p:cNvPicPr>
-          <p:nvPr/>
-        </p:nvPicPr>
-        <p:blipFill>
-          <a:blip r:embed="rId9">
-            <a:extLst>
-              <a:ext uri="{28A0092B-C50C-407E-A947-70E740481C1C}">
-                <a14:useLocalDpi xmlns:a14="http://schemas.microsoft.com/office/drawing/2010/main" val="0"/>
-              </a:ext>
-            </a:extLst>
-          </a:blip>
-          <a:stretch>
-            <a:fillRect/>
-          </a:stretch>
-        </p:blipFill>
-        <p:spPr>
-          <a:xfrm>
-            <a:off x="1765048" y="2252536"/>
-            <a:ext cx="1865032" cy="1243355"/>
-          </a:xfrm>
-          <a:prstGeom prst="rect">
-            <a:avLst/>
-          </a:prstGeom>
-        </p:spPr>
-      </p:pic>
-      <p:pic>
-        <p:nvPicPr>
-          <p:cNvPr id="12" name="Picture 11" descr="A picture containing black, sky, star, cat&#10;&#10;Description automatically generated">
-            <a:extLst>
-              <a:ext uri="{FF2B5EF4-FFF2-40B4-BE49-F238E27FC236}">
-                <a16:creationId xmlns:a16="http://schemas.microsoft.com/office/drawing/2014/main" id="{10146494-AA8E-4928-BA02-8087F827E46A}"/>
-              </a:ext>
-            </a:extLst>
-          </p:cNvPr>
-          <p:cNvPicPr>
-            <a:picLocks noChangeAspect="1"/>
-          </p:cNvPicPr>
-          <p:nvPr/>
-        </p:nvPicPr>
-        <p:blipFill>
-          <a:blip r:embed="rId10">
-            <a:extLst>
-              <a:ext uri="{28A0092B-C50C-407E-A947-70E740481C1C}">
-                <a14:useLocalDpi xmlns:a14="http://schemas.microsoft.com/office/drawing/2010/main" val="0"/>
-              </a:ext>
-            </a:extLst>
-          </a:blip>
-          <a:stretch>
-            <a:fillRect/>
-          </a:stretch>
-        </p:blipFill>
-        <p:spPr>
-          <a:xfrm>
-            <a:off x="1773926" y="3573118"/>
-            <a:ext cx="1865034" cy="1243356"/>
-          </a:xfrm>
-          <a:prstGeom prst="rect">
-            <a:avLst/>
-          </a:prstGeom>
-        </p:spPr>
-      </p:pic>
-      <p:pic>
-        <p:nvPicPr>
-          <p:cNvPr id="14" name="Picture 13" descr="A picture containing monitor, sitting, black, table&#10;&#10;Description automatically generated">
-            <a:extLst>
-              <a:ext uri="{FF2B5EF4-FFF2-40B4-BE49-F238E27FC236}">
-                <a16:creationId xmlns:a16="http://schemas.microsoft.com/office/drawing/2014/main" id="{DDCF9589-24D9-4432-8013-C5E2BD915689}"/>
-              </a:ext>
-            </a:extLst>
-          </p:cNvPr>
-          <p:cNvPicPr>
-            <a:picLocks noChangeAspect="1"/>
-          </p:cNvPicPr>
-          <p:nvPr/>
-        </p:nvPicPr>
-        <p:blipFill>
-          <a:blip r:embed="rId11">
-            <a:extLst>
-              <a:ext uri="{28A0092B-C50C-407E-A947-70E740481C1C}">
-                <a14:useLocalDpi xmlns:a14="http://schemas.microsoft.com/office/drawing/2010/main" val="0"/>
-              </a:ext>
-            </a:extLst>
-          </a:blip>
-          <a:stretch>
-            <a:fillRect/>
-          </a:stretch>
-        </p:blipFill>
-        <p:spPr>
-          <a:xfrm>
-            <a:off x="3738007" y="2252536"/>
-            <a:ext cx="1865034" cy="1243356"/>
-          </a:xfrm>
-          <a:prstGeom prst="rect">
-            <a:avLst/>
-          </a:prstGeom>
-        </p:spPr>
-      </p:pic>
-      <p:pic>
-        <p:nvPicPr>
-          <p:cNvPr id="16" name="Picture 15" descr="A picture containing star, light&#10;&#10;Description automatically generated">
-            <a:extLst>
-              <a:ext uri="{FF2B5EF4-FFF2-40B4-BE49-F238E27FC236}">
-                <a16:creationId xmlns:a16="http://schemas.microsoft.com/office/drawing/2014/main" id="{8F1ECA61-1A2C-45E3-AD07-B2F8821384EE}"/>
-              </a:ext>
-            </a:extLst>
-          </p:cNvPr>
-          <p:cNvPicPr>
-            <a:picLocks noChangeAspect="1"/>
-          </p:cNvPicPr>
-          <p:nvPr/>
-        </p:nvPicPr>
-        <p:blipFill>
-          <a:blip r:embed="rId12">
-            <a:extLst>
-              <a:ext uri="{28A0092B-C50C-407E-A947-70E740481C1C}">
-                <a14:useLocalDpi xmlns:a14="http://schemas.microsoft.com/office/drawing/2010/main" val="0"/>
-              </a:ext>
-            </a:extLst>
-          </a:blip>
-          <a:stretch>
-            <a:fillRect/>
-          </a:stretch>
-        </p:blipFill>
-        <p:spPr>
-          <a:xfrm>
-            <a:off x="3746882" y="3573118"/>
-            <a:ext cx="1865034" cy="1243356"/>
-          </a:xfrm>
-          <a:prstGeom prst="rect">
-            <a:avLst/>
-          </a:prstGeom>
-        </p:spPr>
-      </p:pic>
-      <p:pic>
-        <p:nvPicPr>
-          <p:cNvPr id="18" name="Picture 17" descr="A picture containing sky, star&#10;&#10;Description automatically generated">
-            <a:extLst>
-              <a:ext uri="{FF2B5EF4-FFF2-40B4-BE49-F238E27FC236}">
-                <a16:creationId xmlns:a16="http://schemas.microsoft.com/office/drawing/2014/main" id="{D345E3D2-C35A-4688-B737-885E53A4F2F6}"/>
-              </a:ext>
-            </a:extLst>
-          </p:cNvPr>
-          <p:cNvPicPr>
-            <a:picLocks noChangeAspect="1"/>
-          </p:cNvPicPr>
-          <p:nvPr/>
-        </p:nvPicPr>
-        <p:blipFill>
-          <a:blip r:embed="rId13">
-            <a:extLst>
-              <a:ext uri="{28A0092B-C50C-407E-A947-70E740481C1C}">
-                <a14:useLocalDpi xmlns:a14="http://schemas.microsoft.com/office/drawing/2010/main" val="0"/>
-              </a:ext>
-            </a:extLst>
-          </a:blip>
-          <a:stretch>
-            <a:fillRect/>
-          </a:stretch>
-        </p:blipFill>
-        <p:spPr>
-          <a:xfrm>
-            <a:off x="5719838" y="2252536"/>
-            <a:ext cx="1865034" cy="1243356"/>
-          </a:xfrm>
-          <a:prstGeom prst="rect">
-            <a:avLst/>
-          </a:prstGeom>
-        </p:spPr>
-      </p:pic>
-      <p:pic>
-        <p:nvPicPr>
-          <p:cNvPr id="20" name="Picture 19" descr="A picture containing star, sky&#10;&#10;Description automatically generated">
-            <a:extLst>
-              <a:ext uri="{FF2B5EF4-FFF2-40B4-BE49-F238E27FC236}">
-                <a16:creationId xmlns:a16="http://schemas.microsoft.com/office/drawing/2014/main" id="{D8187563-CE3F-4B75-B50F-A85451269462}"/>
-              </a:ext>
-            </a:extLst>
-          </p:cNvPr>
-          <p:cNvPicPr>
-            <a:picLocks noChangeAspect="1"/>
-          </p:cNvPicPr>
-          <p:nvPr/>
-        </p:nvPicPr>
-        <p:blipFill>
-          <a:blip r:embed="rId14">
-            <a:extLst>
-              <a:ext uri="{28A0092B-C50C-407E-A947-70E740481C1C}">
-                <a14:useLocalDpi xmlns:a14="http://schemas.microsoft.com/office/drawing/2010/main" val="0"/>
-              </a:ext>
-            </a:extLst>
-          </a:blip>
-          <a:stretch>
-            <a:fillRect/>
-          </a:stretch>
-        </p:blipFill>
-        <p:spPr>
-          <a:xfrm>
-            <a:off x="5719838" y="3573119"/>
-            <a:ext cx="1865034" cy="1243356"/>
-          </a:xfrm>
-          <a:prstGeom prst="rect">
-            <a:avLst/>
-          </a:prstGeom>
-        </p:spPr>
-      </p:pic>
-      <p:pic>
-        <p:nvPicPr>
-          <p:cNvPr id="22" name="Picture 21" descr="A picture containing star&#10;&#10;Description automatically generated">
-            <a:extLst>
-              <a:ext uri="{FF2B5EF4-FFF2-40B4-BE49-F238E27FC236}">
-                <a16:creationId xmlns:a16="http://schemas.microsoft.com/office/drawing/2014/main" id="{495EC0DD-72A4-4BC7-B126-FF07D658C41B}"/>
-              </a:ext>
-            </a:extLst>
-          </p:cNvPr>
-          <p:cNvPicPr>
-            <a:picLocks noChangeAspect="1"/>
-          </p:cNvPicPr>
-          <p:nvPr/>
-        </p:nvPicPr>
-        <p:blipFill>
-          <a:blip r:embed="rId15">
-            <a:extLst>
-              <a:ext uri="{28A0092B-C50C-407E-A947-70E740481C1C}">
-                <a14:useLocalDpi xmlns:a14="http://schemas.microsoft.com/office/drawing/2010/main" val="0"/>
-              </a:ext>
-            </a:extLst>
-          </a:blip>
-          <a:stretch>
-            <a:fillRect/>
-          </a:stretch>
-        </p:blipFill>
-        <p:spPr>
-          <a:xfrm>
-            <a:off x="7726006" y="2252540"/>
-            <a:ext cx="1865034" cy="1243356"/>
-          </a:xfrm>
-          <a:prstGeom prst="rect">
-            <a:avLst/>
-          </a:prstGeom>
-        </p:spPr>
-      </p:pic>
-      <p:pic>
-        <p:nvPicPr>
-          <p:cNvPr id="24" name="Picture 23" descr="A picture containing star&#10;&#10;Description automatically generated">
-            <a:extLst>
-              <a:ext uri="{FF2B5EF4-FFF2-40B4-BE49-F238E27FC236}">
-                <a16:creationId xmlns:a16="http://schemas.microsoft.com/office/drawing/2014/main" id="{ECCA5E79-3D2E-4FF0-939D-1693E7EB85DE}"/>
-              </a:ext>
-            </a:extLst>
-          </p:cNvPr>
-          <p:cNvPicPr>
-            <a:picLocks noChangeAspect="1"/>
-          </p:cNvPicPr>
-          <p:nvPr/>
-        </p:nvPicPr>
-        <p:blipFill>
-          <a:blip r:embed="rId16">
-            <a:extLst>
-              <a:ext uri="{28A0092B-C50C-407E-A947-70E740481C1C}">
-                <a14:useLocalDpi xmlns:a14="http://schemas.microsoft.com/office/drawing/2010/main" val="0"/>
-              </a:ext>
-            </a:extLst>
-          </a:blip>
-          <a:stretch>
-            <a:fillRect/>
-          </a:stretch>
-        </p:blipFill>
-        <p:spPr>
-          <a:xfrm>
-            <a:off x="7726934" y="3573122"/>
-            <a:ext cx="1865034" cy="1243356"/>
-          </a:xfrm>
-          <a:prstGeom prst="rect">
-            <a:avLst/>
-          </a:prstGeom>
-        </p:spPr>
-      </p:pic>
-      <p:pic>
-        <p:nvPicPr>
-          <p:cNvPr id="26" name="Picture 25" descr="A picture containing cat&#10;&#10;Description automatically generated">
-            <a:extLst>
-              <a:ext uri="{FF2B5EF4-FFF2-40B4-BE49-F238E27FC236}">
-                <a16:creationId xmlns:a16="http://schemas.microsoft.com/office/drawing/2014/main" id="{986E4541-0E64-4DE2-B4A1-276F1C40FE38}"/>
-              </a:ext>
-            </a:extLst>
-          </p:cNvPr>
-          <p:cNvPicPr>
-            <a:picLocks noChangeAspect="1"/>
-          </p:cNvPicPr>
-          <p:nvPr/>
-        </p:nvPicPr>
-        <p:blipFill>
-          <a:blip r:embed="rId17">
-            <a:extLst>
-              <a:ext uri="{28A0092B-C50C-407E-A947-70E740481C1C}">
-                <a14:useLocalDpi xmlns:a14="http://schemas.microsoft.com/office/drawing/2010/main" val="0"/>
-              </a:ext>
-            </a:extLst>
-          </a:blip>
-          <a:stretch>
-            <a:fillRect/>
-          </a:stretch>
-        </p:blipFill>
-        <p:spPr>
-          <a:xfrm>
-            <a:off x="9698962" y="2252540"/>
-            <a:ext cx="1865034" cy="1243356"/>
-          </a:xfrm>
-          <a:prstGeom prst="rect">
-            <a:avLst/>
-          </a:prstGeom>
-        </p:spPr>
-      </p:pic>
-      <p:pic>
-        <p:nvPicPr>
-          <p:cNvPr id="28" name="Picture 27">
-            <a:extLst>
-              <a:ext uri="{FF2B5EF4-FFF2-40B4-BE49-F238E27FC236}">
-                <a16:creationId xmlns:a16="http://schemas.microsoft.com/office/drawing/2014/main" id="{F538E148-CD64-4199-968E-01C23316F218}"/>
-              </a:ext>
-            </a:extLst>
-          </p:cNvPr>
-          <p:cNvPicPr>
-            <a:picLocks noChangeAspect="1"/>
-          </p:cNvPicPr>
-          <p:nvPr/>
-        </p:nvPicPr>
-        <p:blipFill>
-          <a:blip r:embed="rId18">
-            <a:extLst>
-              <a:ext uri="{28A0092B-C50C-407E-A947-70E740481C1C}">
-                <a14:useLocalDpi xmlns:a14="http://schemas.microsoft.com/office/drawing/2010/main" val="0"/>
-              </a:ext>
-            </a:extLst>
-          </a:blip>
-          <a:stretch>
-            <a:fillRect/>
-          </a:stretch>
-        </p:blipFill>
-        <p:spPr>
-          <a:xfrm>
-            <a:off x="9707839" y="3582202"/>
-            <a:ext cx="1865034" cy="1243356"/>
-          </a:xfrm>
-          <a:prstGeom prst="rect">
-            <a:avLst/>
-          </a:prstGeom>
-        </p:spPr>
-      </p:pic>
-      <p:sp>
-        <p:nvSpPr>
-          <p:cNvPr id="29" name="TextBox 28">
-            <a:extLst>
-              <a:ext uri="{FF2B5EF4-FFF2-40B4-BE49-F238E27FC236}">
-                <a16:creationId xmlns:a16="http://schemas.microsoft.com/office/drawing/2014/main" id="{8B3761D4-AD6D-4EDE-8B59-6A91FFB94602}"/>
+      <p:sp>
+        <p:nvSpPr>
+          <p:cNvPr id="14" name="TextBox 13">
+            <a:extLst>
+              <a:ext uri="{FF2B5EF4-FFF2-40B4-BE49-F238E27FC236}">
+                <a16:creationId xmlns:a16="http://schemas.microsoft.com/office/drawing/2014/main" id="{0611390D-BFF6-4C18-A0D4-04357526A563}"/>
               </a:ext>
             </a:extLst>
           </p:cNvPr>
@@ -4593,8 +7498,8 @@
         </p:nvSpPr>
         <p:spPr>
           <a:xfrm>
-            <a:off x="664435" y="2689547"/>
-            <a:ext cx="476250" cy="369332"/>
+            <a:off x="2050046" y="3634774"/>
+            <a:ext cx="310718" cy="369332"/>
           </a:xfrm>
           <a:prstGeom prst="rect">
             <a:avLst/>
@@ -4609,17 +7514,56 @@
           <a:p>
             <a:r>
               <a:rPr lang="en-CA" dirty="0"/>
-              <a:t>VIS</a:t>
-            </a:r>
-          </a:p>
-        </p:txBody>
-      </p:sp>
-      <p:sp>
-        <p:nvSpPr>
-          <p:cNvPr id="30" name="TextBox 29">
-            <a:extLst>
-              <a:ext uri="{FF2B5EF4-FFF2-40B4-BE49-F238E27FC236}">
-                <a16:creationId xmlns:a16="http://schemas.microsoft.com/office/drawing/2014/main" id="{39FB67CA-F0D5-47E9-B473-6403CD24C198}"/>
+              <a:t>+</a:t>
+            </a:r>
+          </a:p>
+        </p:txBody>
+      </p:sp>
+      <p:cxnSp>
+        <p:nvCxnSpPr>
+          <p:cNvPr id="18" name="Straight Arrow Connector 17">
+            <a:extLst>
+              <a:ext uri="{FF2B5EF4-FFF2-40B4-BE49-F238E27FC236}">
+                <a16:creationId xmlns:a16="http://schemas.microsoft.com/office/drawing/2014/main" id="{906B7D24-0A85-4097-8C07-21C96B653726}"/>
+              </a:ext>
+            </a:extLst>
+          </p:cNvPr>
+          <p:cNvCxnSpPr/>
+          <p:nvPr/>
+        </p:nvCxnSpPr>
+        <p:spPr>
+          <a:xfrm>
+            <a:off x="2205405" y="4136994"/>
+            <a:ext cx="0" cy="284086"/>
+          </a:xfrm>
+          <a:prstGeom prst="straightConnector1">
+            <a:avLst/>
+          </a:prstGeom>
+          <a:ln>
+            <a:tailEnd type="triangle"/>
+          </a:ln>
+        </p:spPr>
+        <p:style>
+          <a:lnRef idx="1">
+            <a:schemeClr val="accent1"/>
+          </a:lnRef>
+          <a:fillRef idx="0">
+            <a:schemeClr val="accent1"/>
+          </a:fillRef>
+          <a:effectRef idx="0">
+            <a:schemeClr val="accent1"/>
+          </a:effectRef>
+          <a:fontRef idx="minor">
+            <a:schemeClr val="tx1"/>
+          </a:fontRef>
+        </p:style>
+      </p:cxnSp>
+      <p:sp>
+        <p:nvSpPr>
+          <p:cNvPr id="19" name="TextBox 18">
+            <a:extLst>
+              <a:ext uri="{FF2B5EF4-FFF2-40B4-BE49-F238E27FC236}">
+                <a16:creationId xmlns:a16="http://schemas.microsoft.com/office/drawing/2014/main" id="{CE21E09D-91A9-4EB6-87C2-F4629304077B}"/>
               </a:ext>
             </a:extLst>
           </p:cNvPr>
@@ -4628,8 +7572,8 @@
         </p:nvSpPr>
         <p:spPr>
           <a:xfrm>
-            <a:off x="700220" y="4010130"/>
-            <a:ext cx="476250" cy="369332"/>
+            <a:off x="3806743" y="2077375"/>
+            <a:ext cx="7348935" cy="1200329"/>
           </a:xfrm>
           <a:prstGeom prst="rect">
             <a:avLst/>
@@ -4644,217 +7588,16 @@
           <a:p>
             <a:r>
               <a:rPr lang="en-CA" dirty="0"/>
-              <a:t>IR</a:t>
-            </a:r>
-          </a:p>
-        </p:txBody>
-      </p:sp>
-      <p:sp>
-        <p:nvSpPr>
-          <p:cNvPr id="31" name="TextBox 30">
-            <a:extLst>
-              <a:ext uri="{FF2B5EF4-FFF2-40B4-BE49-F238E27FC236}">
-                <a16:creationId xmlns:a16="http://schemas.microsoft.com/office/drawing/2014/main" id="{A3AD555D-C64E-4E24-A2D2-FA1C79B515A9}"/>
-              </a:ext>
-            </a:extLst>
-          </p:cNvPr>
-          <p:cNvSpPr txBox="1"/>
-          <p:nvPr/>
-        </p:nvSpPr>
-        <p:spPr>
-          <a:xfrm>
-            <a:off x="259623" y="5330713"/>
-            <a:ext cx="1285873" cy="369332"/>
-          </a:xfrm>
-          <a:prstGeom prst="rect">
-            <a:avLst/>
-          </a:prstGeom>
-          <a:noFill/>
-        </p:spPr>
-        <p:txBody>
-          <a:bodyPr wrap="square" rtlCol="0">
-            <a:spAutoFit/>
-          </a:bodyPr>
-          <a:lstStyle/>
+              <a:t>Mouse tracking data is blurred then added up. The final image is normalized to achieve a map which is brightest in areas with the most overlap</a:t>
+            </a:r>
+          </a:p>
+          <a:p>
+            <a:endParaRPr lang="en-CA" dirty="0"/>
+          </a:p>
           <a:p>
             <a:r>
               <a:rPr lang="en-CA" dirty="0"/>
-              <a:t>Difference</a:t>
-            </a:r>
-          </a:p>
-        </p:txBody>
-      </p:sp>
-      <p:sp>
-        <p:nvSpPr>
-          <p:cNvPr id="32" name="TextBox 31">
-            <a:extLst>
-              <a:ext uri="{FF2B5EF4-FFF2-40B4-BE49-F238E27FC236}">
-                <a16:creationId xmlns:a16="http://schemas.microsoft.com/office/drawing/2014/main" id="{DBD4AC1B-E77A-433C-8EDF-BA30B5819DE6}"/>
-              </a:ext>
-            </a:extLst>
-          </p:cNvPr>
-          <p:cNvSpPr txBox="1"/>
-          <p:nvPr/>
-        </p:nvSpPr>
-        <p:spPr>
-          <a:xfrm>
-            <a:off x="2348932" y="1805977"/>
-            <a:ext cx="715021" cy="369332"/>
-          </a:xfrm>
-          <a:prstGeom prst="rect">
-            <a:avLst/>
-          </a:prstGeom>
-          <a:noFill/>
-        </p:spPr>
-        <p:txBody>
-          <a:bodyPr wrap="square" rtlCol="0">
-            <a:spAutoFit/>
-          </a:bodyPr>
-          <a:lstStyle/>
-          <a:p>
-            <a:r>
-              <a:rPr lang="en-CA" dirty="0"/>
-              <a:t>AWS</a:t>
-            </a:r>
-          </a:p>
-        </p:txBody>
-      </p:sp>
-      <p:sp>
-        <p:nvSpPr>
-          <p:cNvPr id="33" name="TextBox 32">
-            <a:extLst>
-              <a:ext uri="{FF2B5EF4-FFF2-40B4-BE49-F238E27FC236}">
-                <a16:creationId xmlns:a16="http://schemas.microsoft.com/office/drawing/2014/main" id="{B8DE06FD-E20E-4791-9A20-2587626DE905}"/>
-              </a:ext>
-            </a:extLst>
-          </p:cNvPr>
-          <p:cNvSpPr txBox="1"/>
-          <p:nvPr/>
-        </p:nvSpPr>
-        <p:spPr>
-          <a:xfrm>
-            <a:off x="4321888" y="1762987"/>
-            <a:ext cx="715021" cy="369332"/>
-          </a:xfrm>
-          <a:prstGeom prst="rect">
-            <a:avLst/>
-          </a:prstGeom>
-          <a:noFill/>
-        </p:spPr>
-        <p:txBody>
-          <a:bodyPr wrap="square" rtlCol="0">
-            <a:spAutoFit/>
-          </a:bodyPr>
-          <a:lstStyle/>
-          <a:p>
-            <a:r>
-              <a:rPr lang="en-CA" dirty="0"/>
-              <a:t>DVA</a:t>
-            </a:r>
-          </a:p>
-        </p:txBody>
-      </p:sp>
-      <p:sp>
-        <p:nvSpPr>
-          <p:cNvPr id="34" name="TextBox 33">
-            <a:extLst>
-              <a:ext uri="{FF2B5EF4-FFF2-40B4-BE49-F238E27FC236}">
-                <a16:creationId xmlns:a16="http://schemas.microsoft.com/office/drawing/2014/main" id="{4EB786CD-4055-4E36-BE61-B50B3C26DC24}"/>
-              </a:ext>
-            </a:extLst>
-          </p:cNvPr>
-          <p:cNvSpPr txBox="1"/>
-          <p:nvPr/>
-        </p:nvSpPr>
-        <p:spPr>
-          <a:xfrm>
-            <a:off x="6303722" y="1762987"/>
-            <a:ext cx="715021" cy="369332"/>
-          </a:xfrm>
-          <a:prstGeom prst="rect">
-            <a:avLst/>
-          </a:prstGeom>
-          <a:noFill/>
-        </p:spPr>
-        <p:txBody>
-          <a:bodyPr wrap="square" rtlCol="0">
-            <a:spAutoFit/>
-          </a:bodyPr>
-          <a:lstStyle/>
-          <a:p>
-            <a:r>
-              <a:rPr lang="en-CA" dirty="0"/>
-              <a:t>GBVS</a:t>
-            </a:r>
-          </a:p>
-        </p:txBody>
-      </p:sp>
-      <p:sp>
-        <p:nvSpPr>
-          <p:cNvPr id="35" name="TextBox 34">
-            <a:extLst>
-              <a:ext uri="{FF2B5EF4-FFF2-40B4-BE49-F238E27FC236}">
-                <a16:creationId xmlns:a16="http://schemas.microsoft.com/office/drawing/2014/main" id="{4F60748B-9B97-4103-BD4B-63DAA043968C}"/>
-              </a:ext>
-            </a:extLst>
-          </p:cNvPr>
-          <p:cNvSpPr txBox="1"/>
-          <p:nvPr/>
-        </p:nvSpPr>
-        <p:spPr>
-          <a:xfrm>
-            <a:off x="8301012" y="1753466"/>
-            <a:ext cx="715021" cy="369332"/>
-          </a:xfrm>
-          <a:prstGeom prst="rect">
-            <a:avLst/>
-          </a:prstGeom>
-          <a:noFill/>
-        </p:spPr>
-        <p:txBody>
-          <a:bodyPr wrap="square" rtlCol="0">
-            <a:spAutoFit/>
-          </a:bodyPr>
-          <a:lstStyle/>
-          <a:p>
-            <a:r>
-              <a:rPr lang="en-CA" dirty="0"/>
-              <a:t>IKN</a:t>
-            </a:r>
-          </a:p>
-        </p:txBody>
-      </p:sp>
-      <p:sp>
-        <p:nvSpPr>
-          <p:cNvPr id="36" name="TextBox 35">
-            <a:extLst>
-              <a:ext uri="{FF2B5EF4-FFF2-40B4-BE49-F238E27FC236}">
-                <a16:creationId xmlns:a16="http://schemas.microsoft.com/office/drawing/2014/main" id="{9E6C5CF7-C41A-445B-A098-7552954D1902}"/>
-              </a:ext>
-            </a:extLst>
-          </p:cNvPr>
-          <p:cNvSpPr txBox="1"/>
-          <p:nvPr/>
-        </p:nvSpPr>
-        <p:spPr>
-          <a:xfrm>
-            <a:off x="10051342" y="1753466"/>
-            <a:ext cx="1160273" cy="369332"/>
-          </a:xfrm>
-          <a:prstGeom prst="rect">
-            <a:avLst/>
-          </a:prstGeom>
-          <a:noFill/>
-        </p:spPr>
-        <p:txBody>
-          <a:bodyPr wrap="square" rtlCol="0">
-            <a:spAutoFit/>
-          </a:bodyPr>
-          <a:lstStyle/>
-          <a:p>
-            <a:r>
-              <a:rPr lang="en-CA" dirty="0"/>
-              <a:t>RARE2012</a:t>
+              <a:t>Requires a decent size pool of participants to get accurate data.</a:t>
             </a:r>
           </a:p>
         </p:txBody>
@@ -4862,7 +7605,172 @@
     </p:spTree>
     <p:extLst>
       <p:ext uri="{BB962C8B-B14F-4D97-AF65-F5344CB8AC3E}">
-        <p14:creationId xmlns:p14="http://schemas.microsoft.com/office/powerpoint/2010/main" val="3384849628"/>
+        <p14:creationId xmlns:p14="http://schemas.microsoft.com/office/powerpoint/2010/main" val="119888982"/>
+      </p:ext>
+    </p:extLst>
+  </p:cSld>
+  <p:clrMapOvr>
+    <a:masterClrMapping/>
+  </p:clrMapOvr>
+</p:sld>
+</file>
+
+<file path=ppt/slides/slide9.xml><?xml version="1.0" encoding="utf-8"?>
+<p:sld xmlns:a="http://schemas.openxmlformats.org/drawingml/2006/main" xmlns:r="http://schemas.openxmlformats.org/officeDocument/2006/relationships" xmlns:p="http://schemas.openxmlformats.org/presentationml/2006/main">
+  <p:cSld>
+    <p:spTree>
+      <p:nvGrpSpPr>
+        <p:cNvPr id="1" name=""/>
+        <p:cNvGrpSpPr/>
+        <p:nvPr/>
+      </p:nvGrpSpPr>
+      <p:grpSpPr>
+        <a:xfrm>
+          <a:off x="0" y="0"/>
+          <a:ext cx="0" cy="0"/>
+          <a:chOff x="0" y="0"/>
+          <a:chExt cx="0" cy="0"/>
+        </a:xfrm>
+      </p:grpSpPr>
+      <p:sp>
+        <p:nvSpPr>
+          <p:cNvPr id="2" name="Title 1">
+            <a:extLst>
+              <a:ext uri="{FF2B5EF4-FFF2-40B4-BE49-F238E27FC236}">
+                <a16:creationId xmlns:a16="http://schemas.microsoft.com/office/drawing/2014/main" id="{8C1E766D-F430-4383-B63C-0AD9FD88247A}"/>
+              </a:ext>
+            </a:extLst>
+          </p:cNvPr>
+          <p:cNvSpPr>
+            <a:spLocks noGrp="1"/>
+          </p:cNvSpPr>
+          <p:nvPr>
+            <p:ph type="title"/>
+          </p:nvPr>
+        </p:nvSpPr>
+        <p:spPr/>
+        <p:txBody>
+          <a:bodyPr/>
+          <a:lstStyle/>
+          <a:p>
+            <a:r>
+              <a:rPr lang="en-CA" dirty="0"/>
+              <a:t>Methods – Saliency Model Implements</a:t>
+            </a:r>
+          </a:p>
+        </p:txBody>
+      </p:sp>
+      <p:sp>
+        <p:nvSpPr>
+          <p:cNvPr id="3" name="Content Placeholder 2">
+            <a:extLst>
+              <a:ext uri="{FF2B5EF4-FFF2-40B4-BE49-F238E27FC236}">
+                <a16:creationId xmlns:a16="http://schemas.microsoft.com/office/drawing/2014/main" id="{3532FC13-6C59-49A3-BAC5-6953A3BEB05C}"/>
+              </a:ext>
+            </a:extLst>
+          </p:cNvPr>
+          <p:cNvSpPr>
+            <a:spLocks noGrp="1"/>
+          </p:cNvSpPr>
+          <p:nvPr>
+            <p:ph idx="1"/>
+          </p:nvPr>
+        </p:nvSpPr>
+        <p:spPr/>
+        <p:txBody>
+          <a:bodyPr/>
+          <a:lstStyle/>
+          <a:p>
+            <a:r>
+              <a:rPr lang="en-CA" dirty="0"/>
+              <a:t>Used SMILER (</a:t>
+            </a:r>
+            <a:r>
+              <a:rPr lang="en-US" dirty="0"/>
+              <a:t>Saliency Model Implementation Library for Experimental Research</a:t>
+            </a:r>
+            <a:r>
+              <a:rPr lang="en-CA" dirty="0"/>
+              <a:t>) for implementation of saliency models. [C. </a:t>
+            </a:r>
+            <a:r>
+              <a:rPr lang="en-CA" dirty="0" err="1"/>
+              <a:t>Wloka</a:t>
+            </a:r>
+            <a:r>
+              <a:rPr lang="en-CA" dirty="0"/>
+              <a:t> et. Al.]</a:t>
+            </a:r>
+          </a:p>
+          <a:p>
+            <a:r>
+              <a:rPr lang="en-CA" dirty="0"/>
+              <a:t>Models used:</a:t>
+            </a:r>
+          </a:p>
+          <a:p>
+            <a:pPr lvl="1"/>
+            <a:r>
+              <a:rPr lang="en-CA" dirty="0"/>
+              <a:t>AWS</a:t>
+            </a:r>
+          </a:p>
+          <a:p>
+            <a:pPr lvl="1"/>
+            <a:r>
+              <a:rPr lang="en-CA" dirty="0"/>
+              <a:t>DVA</a:t>
+            </a:r>
+          </a:p>
+          <a:p>
+            <a:pPr lvl="1"/>
+            <a:r>
+              <a:rPr lang="en-CA" dirty="0"/>
+              <a:t>GBVS</a:t>
+            </a:r>
+          </a:p>
+          <a:p>
+            <a:pPr lvl="1"/>
+            <a:r>
+              <a:rPr lang="en-CA" dirty="0"/>
+              <a:t>IKN</a:t>
+            </a:r>
+          </a:p>
+          <a:p>
+            <a:pPr lvl="1"/>
+            <a:r>
+              <a:rPr lang="en-CA" dirty="0"/>
+              <a:t>RARE2012</a:t>
+            </a:r>
+          </a:p>
+          <a:p>
+            <a:pPr lvl="1"/>
+            <a:endParaRPr lang="en-CA" dirty="0"/>
+          </a:p>
+          <a:p>
+            <a:pPr marL="201168" lvl="1" indent="0">
+              <a:buNone/>
+            </a:pPr>
+            <a:r>
+              <a:rPr lang="en-CA" dirty="0"/>
+              <a:t>Mix of classical and deep net models. I avoided models which rely on colour (e.g. CVS). </a:t>
+            </a:r>
+          </a:p>
+          <a:p>
+            <a:pPr marL="201168" lvl="1" indent="0">
+              <a:buNone/>
+            </a:pPr>
+            <a:r>
+              <a:rPr lang="en-CA" dirty="0"/>
+              <a:t>(…Also this is what I could get working)</a:t>
+            </a:r>
+          </a:p>
+        </p:txBody>
+      </p:sp>
+    </p:spTree>
+    <p:extLst>
+      <p:ext uri="{BB962C8B-B14F-4D97-AF65-F5344CB8AC3E}">
+        <p14:creationId xmlns:p14="http://schemas.microsoft.com/office/powerpoint/2010/main" val="2970827421"/>
       </p:ext>
     </p:extLst>
   </p:cSld>
